--- a/05_SetupMiniKube.pptx
+++ b/05_SetupMiniKube.pptx
@@ -5,15 +5,19 @@
     <p:sldMasterId id="2147483648" r:id="rId1"/>
   </p:sldMasterIdLst>
   <p:notesMasterIdLst>
-    <p:notesMasterId r:id="rId8"/>
+    <p:notesMasterId r:id="rId12"/>
   </p:notesMasterIdLst>
   <p:sldIdLst>
     <p:sldId id="256" r:id="rId2"/>
     <p:sldId id="258" r:id="rId3"/>
     <p:sldId id="265" r:id="rId4"/>
     <p:sldId id="268" r:id="rId5"/>
-    <p:sldId id="263" r:id="rId6"/>
-    <p:sldId id="259" r:id="rId7"/>
+    <p:sldId id="269" r:id="rId6"/>
+    <p:sldId id="270" r:id="rId7"/>
+    <p:sldId id="263" r:id="rId8"/>
+    <p:sldId id="271" r:id="rId9"/>
+    <p:sldId id="272" r:id="rId10"/>
+    <p:sldId id="259" r:id="rId11"/>
   </p:sldIdLst>
   <p:sldSz cx="9144000" cy="6858000" type="screen4x3"/>
   <p:notesSz cx="6858000" cy="9144000"/>
@@ -214,7 +218,7 @@
             <a:fld id="{6837EDA8-41C8-4B24-A206-13C08A65A6D7}" type="datetimeFigureOut">
               <a:rPr lang="zh-TW" altLang="en-US" smtClean="0"/>
               <a:pPr/>
-              <a:t>2020/4/24</a:t>
+              <a:t>2020/4/25</a:t>
             </a:fld>
             <a:endParaRPr lang="zh-TW" altLang="en-US"/>
           </a:p>
@@ -667,7 +671,7 @@
             <a:fld id="{8B85509C-BD4F-47BF-9B1E-FC2E949B3621}" type="datetime1">
               <a:rPr lang="zh-TW" altLang="en-US" smtClean="0"/>
               <a:pPr/>
-              <a:t>2020/4/24</a:t>
+              <a:t>2020/4/25</a:t>
             </a:fld>
             <a:endParaRPr lang="zh-TW" altLang="en-US"/>
           </a:p>
@@ -840,7 +844,7 @@
             <a:fld id="{42251B24-F787-4C15-8A0F-7AEC20C70069}" type="datetime1">
               <a:rPr lang="zh-TW" altLang="en-US" smtClean="0"/>
               <a:pPr/>
-              <a:t>2020/4/24</a:t>
+              <a:t>2020/4/25</a:t>
             </a:fld>
             <a:endParaRPr lang="zh-TW" altLang="en-US"/>
           </a:p>
@@ -1015,7 +1019,7 @@
             <a:fld id="{9CA0D33C-CE2B-45F1-B8D4-FFD1F131F331}" type="datetime1">
               <a:rPr lang="zh-TW" altLang="en-US" smtClean="0"/>
               <a:pPr/>
-              <a:t>2020/4/24</a:t>
+              <a:t>2020/4/25</a:t>
             </a:fld>
             <a:endParaRPr lang="zh-TW" altLang="en-US"/>
           </a:p>
@@ -1180,7 +1184,7 @@
             <a:fld id="{50B99440-D9EF-40CC-9B52-F6428D9B2C76}" type="datetime1">
               <a:rPr lang="zh-TW" altLang="en-US" smtClean="0"/>
               <a:pPr/>
-              <a:t>2020/4/24</a:t>
+              <a:t>2020/4/25</a:t>
             </a:fld>
             <a:endParaRPr lang="zh-TW" altLang="en-US"/>
           </a:p>
@@ -1422,7 +1426,7 @@
             <a:fld id="{0871BF52-5C6C-4959-8E27-CECB68D39FE4}" type="datetime1">
               <a:rPr lang="zh-TW" altLang="en-US" smtClean="0"/>
               <a:pPr/>
-              <a:t>2020/4/24</a:t>
+              <a:t>2020/4/25</a:t>
             </a:fld>
             <a:endParaRPr lang="zh-TW" altLang="en-US"/>
           </a:p>
@@ -1704,7 +1708,7 @@
             <a:fld id="{DF863F05-2DD9-4EB1-A827-12FD992DE9DC}" type="datetime1">
               <a:rPr lang="zh-TW" altLang="en-US" smtClean="0"/>
               <a:pPr/>
-              <a:t>2020/4/24</a:t>
+              <a:t>2020/4/25</a:t>
             </a:fld>
             <a:endParaRPr lang="zh-TW" altLang="en-US"/>
           </a:p>
@@ -2120,7 +2124,7 @@
             <a:fld id="{6339AF51-4491-4873-A096-75DB6CE47516}" type="datetime1">
               <a:rPr lang="zh-TW" altLang="en-US" smtClean="0"/>
               <a:pPr/>
-              <a:t>2020/4/24</a:t>
+              <a:t>2020/4/25</a:t>
             </a:fld>
             <a:endParaRPr lang="zh-TW" altLang="en-US"/>
           </a:p>
@@ -2234,7 +2238,7 @@
             <a:fld id="{EE4AD9C8-8B9E-40FF-ABE2-858AC2057BBB}" type="datetime1">
               <a:rPr lang="zh-TW" altLang="en-US" smtClean="0"/>
               <a:pPr/>
-              <a:t>2020/4/24</a:t>
+              <a:t>2020/4/25</a:t>
             </a:fld>
             <a:endParaRPr lang="zh-TW" altLang="en-US"/>
           </a:p>
@@ -2326,7 +2330,7 @@
             <a:fld id="{B4784999-BBBE-4BE4-A8D0-877E7D1D66CC}" type="datetime1">
               <a:rPr lang="zh-TW" altLang="en-US" smtClean="0"/>
               <a:pPr/>
-              <a:t>2020/4/24</a:t>
+              <a:t>2020/4/25</a:t>
             </a:fld>
             <a:endParaRPr lang="zh-TW" altLang="en-US"/>
           </a:p>
@@ -2598,7 +2602,7 @@
             <a:fld id="{E88D17E6-02BD-4944-B9FE-7BFCCBF83D48}" type="datetime1">
               <a:rPr lang="zh-TW" altLang="en-US" smtClean="0"/>
               <a:pPr/>
-              <a:t>2020/4/24</a:t>
+              <a:t>2020/4/25</a:t>
             </a:fld>
             <a:endParaRPr lang="zh-TW" altLang="en-US"/>
           </a:p>
@@ -2847,7 +2851,7 @@
             <a:fld id="{3C13E23D-1FEF-4D78-A3A3-3D6F2BB31954}" type="datetime1">
               <a:rPr lang="zh-TW" altLang="en-US" smtClean="0"/>
               <a:pPr/>
-              <a:t>2020/4/24</a:t>
+              <a:t>2020/4/25</a:t>
             </a:fld>
             <a:endParaRPr lang="zh-TW" altLang="en-US"/>
           </a:p>
@@ -3055,7 +3059,7 @@
             <a:fld id="{06197F35-AD6F-4594-8B50-334492D2E7E8}" type="datetime1">
               <a:rPr lang="zh-TW" altLang="en-US" smtClean="0"/>
               <a:pPr/>
-              <a:t>2020/4/24</a:t>
+              <a:t>2020/4/25</a:t>
             </a:fld>
             <a:endParaRPr lang="zh-TW" altLang="en-US"/>
           </a:p>
@@ -3524,7 +3528,7 @@
             <a:fld id="{C389EDC9-19E3-47AC-9C57-C6A24DEA81AD}" type="datetime1">
               <a:rPr lang="zh-TW" altLang="en-US" smtClean="0"/>
               <a:pPr/>
-              <a:t>2020/4/24</a:t>
+              <a:t>2020/4/25</a:t>
             </a:fld>
             <a:endParaRPr lang="zh-TW" altLang="en-US"/>
           </a:p>
@@ -3592,6 +3596,143 @@
 </p:sld>
 </file>
 
+<file path=ppt/slides/slide10.xml><?xml version="1.0" encoding="utf-8"?>
+<p:sld xmlns:a="http://schemas.openxmlformats.org/drawingml/2006/main" xmlns:r="http://schemas.openxmlformats.org/officeDocument/2006/relationships" xmlns:p="http://schemas.openxmlformats.org/presentationml/2006/main">
+  <p:cSld>
+    <p:spTree>
+      <p:nvGrpSpPr>
+        <p:cNvPr id="1" name=""/>
+        <p:cNvGrpSpPr/>
+        <p:nvPr/>
+      </p:nvGrpSpPr>
+      <p:grpSpPr>
+        <a:xfrm>
+          <a:off x="0" y="0"/>
+          <a:ext cx="0" cy="0"/>
+          <a:chOff x="0" y="0"/>
+          <a:chExt cx="0" cy="0"/>
+        </a:xfrm>
+      </p:grpSpPr>
+      <p:sp>
+        <p:nvSpPr>
+          <p:cNvPr id="2" name="標題 1"/>
+          <p:cNvSpPr>
+            <a:spLocks noGrp="1"/>
+          </p:cNvSpPr>
+          <p:nvPr>
+            <p:ph type="ctrTitle"/>
+          </p:nvPr>
+        </p:nvSpPr>
+        <p:spPr>
+          <a:xfrm>
+            <a:off x="0" y="2130425"/>
+            <a:ext cx="9144000" cy="1470025"/>
+          </a:xfrm>
+          <a:gradFill flip="none" rotWithShape="1">
+            <a:gsLst>
+              <a:gs pos="0">
+                <a:srgbClr val="00B0F0">
+                  <a:shade val="30000"/>
+                  <a:satMod val="115000"/>
+                </a:srgbClr>
+              </a:gs>
+              <a:gs pos="50000">
+                <a:srgbClr val="00B0F0">
+                  <a:shade val="67500"/>
+                  <a:satMod val="115000"/>
+                </a:srgbClr>
+              </a:gs>
+              <a:gs pos="100000">
+                <a:srgbClr val="00B0F0">
+                  <a:shade val="100000"/>
+                  <a:satMod val="115000"/>
+                </a:srgbClr>
+              </a:gs>
+            </a:gsLst>
+            <a:path path="circle">
+              <a:fillToRect t="100000" r="100000"/>
+            </a:path>
+            <a:tileRect l="-100000" b="-100000"/>
+          </a:gradFill>
+        </p:spPr>
+        <p:txBody>
+          <a:bodyPr>
+            <a:normAutofit/>
+          </a:bodyPr>
+          <a:lstStyle/>
+          <a:p>
+            <a:r>
+              <a:rPr lang="en-US" altLang="zh-TW" sz="6000" b="1" dirty="0">
+                <a:solidFill>
+                  <a:srgbClr val="FFFF00"/>
+                </a:solidFill>
+              </a:rPr>
+              <a:t>End of Chapter</a:t>
+            </a:r>
+            <a:endParaRPr lang="zh-TW" altLang="en-US" sz="6000" b="1" dirty="0">
+              <a:solidFill>
+                <a:srgbClr val="FFFF00"/>
+              </a:solidFill>
+            </a:endParaRPr>
+          </a:p>
+        </p:txBody>
+      </p:sp>
+      <p:sp>
+        <p:nvSpPr>
+          <p:cNvPr id="5" name="日期版面配置區 4"/>
+          <p:cNvSpPr>
+            <a:spLocks noGrp="1"/>
+          </p:cNvSpPr>
+          <p:nvPr>
+            <p:ph type="dt" sz="half" idx="10"/>
+          </p:nvPr>
+        </p:nvSpPr>
+        <p:spPr/>
+        <p:txBody>
+          <a:bodyPr/>
+          <a:lstStyle/>
+          <a:p>
+            <a:fld id="{4E46BE27-E923-4EC2-B046-3272AE2A3E5C}" type="datetime1">
+              <a:rPr lang="zh-TW" altLang="en-US" smtClean="0"/>
+              <a:pPr/>
+              <a:t>2020/4/25</a:t>
+            </a:fld>
+            <a:endParaRPr lang="zh-TW" altLang="en-US"/>
+          </a:p>
+        </p:txBody>
+      </p:sp>
+      <p:sp>
+        <p:nvSpPr>
+          <p:cNvPr id="6" name="投影片編號版面配置區 5"/>
+          <p:cNvSpPr>
+            <a:spLocks noGrp="1"/>
+          </p:cNvSpPr>
+          <p:nvPr>
+            <p:ph type="sldNum" sz="quarter" idx="12"/>
+          </p:nvPr>
+        </p:nvSpPr>
+        <p:spPr/>
+        <p:txBody>
+          <a:bodyPr/>
+          <a:lstStyle/>
+          <a:p>
+            <a:fld id="{E4D7E63D-91F2-4366-A2C4-1B00C9E2590E}" type="slidenum">
+              <a:rPr lang="zh-TW" altLang="en-US" smtClean="0"/>
+              <a:pPr/>
+              <a:t>10</a:t>
+            </a:fld>
+            <a:endParaRPr lang="zh-TW" altLang="en-US"/>
+          </a:p>
+        </p:txBody>
+      </p:sp>
+    </p:spTree>
+  </p:cSld>
+  <p:clrMapOvr>
+    <a:masterClrMapping/>
+  </p:clrMapOvr>
+</p:sld>
+</file>
+
 <file path=ppt/slides/slide2.xml><?xml version="1.0" encoding="utf-8"?>
 <p:sld xmlns:a="http://schemas.openxmlformats.org/drawingml/2006/main" xmlns:r="http://schemas.openxmlformats.org/officeDocument/2006/relationships" xmlns:p="http://schemas.openxmlformats.org/presentationml/2006/main">
   <p:cSld>
@@ -3695,7 +3836,7 @@
         <p:spPr>
           <a:xfrm>
             <a:off x="467544" y="1268760"/>
-            <a:ext cx="8352928" cy="360040"/>
+            <a:ext cx="8352928" cy="864096"/>
           </a:xfrm>
           <a:ln>
             <a:solidFill>
@@ -3732,6 +3873,27 @@
                 </a:solidFill>
               </a:rPr>
               <a:t>Minikube</a:t>
+            </a:r>
+            <a:endParaRPr lang="en-US" altLang="zh-TW" sz="1800" dirty="0">
+              <a:solidFill>
+                <a:schemeClr val="tx1"/>
+              </a:solidFill>
+            </a:endParaRPr>
+          </a:p>
+          <a:p>
+            <a:pPr marL="342900" indent="-342900" algn="l">
+              <a:buClr>
+                <a:srgbClr val="0070C0"/>
+              </a:buClr>
+              <a:buSzPct val="80000"/>
+              <a:buFont typeface="Wingdings" pitchFamily="2" charset="2"/>
+              <a:buChar char="u"/>
+            </a:pPr>
+            <a:r>
+              <a:rPr lang="en-US" sz="1800" dirty="0">
+                <a:hlinkClick r:id="rId2"/>
+              </a:rPr>
+              <a:t>https://www.youtube.com/watch?v=ppgrKs1FNJE</a:t>
             </a:r>
             <a:endParaRPr lang="en-US" altLang="zh-TW" sz="1800" dirty="0">
               <a:solidFill>
@@ -3797,7 +3959,7 @@
             </a:pPr>
             <a:r>
               <a:rPr lang="en-US" sz="1600" dirty="0">
-                <a:hlinkClick r:id="rId2"/>
+                <a:hlinkClick r:id="rId3"/>
               </a:rPr>
               <a:t>https://kubernetes.io/docs/tasks/tools/install-minikube/</a:t>
             </a:r>
@@ -3836,7 +3998,7 @@
             <a:fld id="{A4F910E6-8D00-4BAF-8C48-9688E0B449D3}" type="datetime1">
               <a:rPr lang="zh-TW" altLang="en-US" smtClean="0"/>
               <a:pPr/>
-              <a:t>2020/4/24</a:t>
+              <a:t>2020/4/25</a:t>
             </a:fld>
             <a:endParaRPr lang="zh-TW" altLang="en-US"/>
           </a:p>
@@ -3922,7 +4084,7 @@
                   <a:srgbClr val="FFFF00"/>
                 </a:solidFill>
               </a:rPr>
-              <a:t>5.1 Install </a:t>
+              <a:t>5.1 Setup </a:t>
             </a:r>
             <a:r>
               <a:rPr lang="en-US" altLang="zh-TW" sz="4800" b="1" dirty="0" err="1">
@@ -3958,7 +4120,7 @@
             <a:fld id="{C389EDC9-19E3-47AC-9C57-C6A24DEA81AD}" type="datetime1">
               <a:rPr lang="zh-TW" altLang="en-US" smtClean="0"/>
               <a:pPr/>
-              <a:t>2020/4/24</a:t>
+              <a:t>2020/4/25</a:t>
             </a:fld>
             <a:endParaRPr lang="zh-TW" altLang="en-US"/>
           </a:p>
@@ -4109,7 +4271,7 @@
                   <a:srgbClr val="FFFF00"/>
                 </a:solidFill>
               </a:rPr>
-              <a:t>5.1 Install </a:t>
+              <a:t>5.1 Setup </a:t>
             </a:r>
             <a:r>
               <a:rPr lang="en-US" altLang="zh-TW" b="1" dirty="0" err="1">
@@ -4139,8 +4301,8 @@
         </p:nvSpPr>
         <p:spPr>
           <a:xfrm>
-            <a:off x="467544" y="1268760"/>
-            <a:ext cx="8352928" cy="1056042"/>
+            <a:off x="467544" y="1268759"/>
+            <a:ext cx="8352928" cy="2952329"/>
           </a:xfrm>
           <a:ln>
             <a:solidFill>
@@ -4229,13 +4391,165 @@
               <a:buChar char="u"/>
             </a:pPr>
             <a:r>
+              <a:rPr lang="en-US" sz="1800" dirty="0">
+                <a:hlinkClick r:id="rId3"/>
+              </a:rPr>
+              <a:t>https://www.youtube.com/watch?v=ppgrKs1FNJE</a:t>
+            </a:r>
+            <a:endParaRPr lang="en-US" altLang="zh-TW" sz="1800" dirty="0">
+              <a:solidFill>
+                <a:schemeClr val="tx1"/>
+              </a:solidFill>
+              <a:latin typeface="+mj-lt"/>
+            </a:endParaRPr>
+          </a:p>
+          <a:p>
+            <a:pPr marL="342900" indent="-342900" algn="l">
+              <a:buClr>
+                <a:srgbClr val="0070C0"/>
+              </a:buClr>
+              <a:buSzPct val="80000"/>
+              <a:buFont typeface="Wingdings" pitchFamily="2" charset="2"/>
+              <a:buChar char="u"/>
+            </a:pPr>
+            <a:r>
               <a:rPr lang="en-US" altLang="zh-TW" sz="1800" dirty="0">
                 <a:solidFill>
                   <a:schemeClr val="tx1"/>
                 </a:solidFill>
                 <a:latin typeface="+mj-lt"/>
               </a:rPr>
-              <a:t>Download minkube-wndow-amd64.exe and rename it to minikube.exe</a:t>
+              <a:t>Download minkube-wndow-amd64.exe and rename it to minikube.exe and put it under C:\Windows\system32 folder.</a:t>
+            </a:r>
+          </a:p>
+          <a:p>
+            <a:pPr marL="342900" indent="-342900" algn="l">
+              <a:buClr>
+                <a:srgbClr val="0070C0"/>
+              </a:buClr>
+              <a:buSzPct val="80000"/>
+              <a:buFont typeface="Wingdings" pitchFamily="2" charset="2"/>
+              <a:buChar char="u"/>
+            </a:pPr>
+            <a:r>
+              <a:rPr lang="en-US" altLang="zh-TW" sz="1800" dirty="0">
+                <a:solidFill>
+                  <a:schemeClr val="tx1"/>
+                </a:solidFill>
+                <a:latin typeface="+mj-lt"/>
+              </a:rPr>
+              <a:t>Download </a:t>
+            </a:r>
+            <a:r>
+              <a:rPr lang="en-US" altLang="zh-TW" sz="1800" dirty="0" err="1">
+                <a:solidFill>
+                  <a:schemeClr val="tx1"/>
+                </a:solidFill>
+                <a:latin typeface="+mj-lt"/>
+              </a:rPr>
+              <a:t>kubectl</a:t>
+            </a:r>
+            <a:r>
+              <a:rPr lang="en-US" altLang="zh-TW" sz="1800" dirty="0">
+                <a:solidFill>
+                  <a:schemeClr val="tx1"/>
+                </a:solidFill>
+                <a:latin typeface="+mj-lt"/>
+              </a:rPr>
+              <a:t> and put under C:\Windows\system32 folder</a:t>
+            </a:r>
+          </a:p>
+          <a:p>
+            <a:pPr marL="342900" indent="-342900" algn="l">
+              <a:buClr>
+                <a:srgbClr val="0070C0"/>
+              </a:buClr>
+              <a:buSzPct val="80000"/>
+              <a:buFont typeface="Wingdings" pitchFamily="2" charset="2"/>
+              <a:buChar char="u"/>
+            </a:pPr>
+            <a:r>
+              <a:rPr lang="en-US" altLang="zh-TW" sz="1800" dirty="0">
+                <a:solidFill>
+                  <a:schemeClr val="tx1"/>
+                </a:solidFill>
+                <a:latin typeface="+mj-lt"/>
+              </a:rPr>
+              <a:t>Verify the environment variable PATH to have C:\Windows\system32</a:t>
+            </a:r>
+          </a:p>
+          <a:p>
+            <a:pPr marL="342900" indent="-342900" algn="l">
+              <a:buClr>
+                <a:srgbClr val="0070C0"/>
+              </a:buClr>
+              <a:buSzPct val="80000"/>
+              <a:buFont typeface="Wingdings" pitchFamily="2" charset="2"/>
+              <a:buChar char="u"/>
+            </a:pPr>
+            <a:r>
+              <a:rPr lang="en-US" altLang="zh-TW" sz="1800" dirty="0">
+                <a:solidFill>
+                  <a:schemeClr val="tx1"/>
+                </a:solidFill>
+                <a:latin typeface="+mj-lt"/>
+              </a:rPr>
+              <a:t>Verify the </a:t>
+            </a:r>
+            <a:r>
+              <a:rPr lang="en-US" altLang="zh-TW" sz="1800" dirty="0" err="1">
+                <a:solidFill>
+                  <a:schemeClr val="tx1"/>
+                </a:solidFill>
+                <a:latin typeface="+mj-lt"/>
+              </a:rPr>
+              <a:t>minikube</a:t>
+            </a:r>
+            <a:r>
+              <a:rPr lang="en-US" altLang="zh-TW" sz="1800" dirty="0">
+                <a:solidFill>
+                  <a:schemeClr val="tx1"/>
+                </a:solidFill>
+                <a:latin typeface="+mj-lt"/>
+              </a:rPr>
+              <a:t> version</a:t>
+            </a:r>
+          </a:p>
+          <a:p>
+            <a:pPr marL="342900" indent="-342900" algn="l">
+              <a:buClr>
+                <a:srgbClr val="0070C0"/>
+              </a:buClr>
+              <a:buSzPct val="80000"/>
+              <a:buFont typeface="Wingdings" pitchFamily="2" charset="2"/>
+              <a:buChar char="u"/>
+            </a:pPr>
+            <a:r>
+              <a:rPr lang="en-US" altLang="zh-TW" sz="1800" dirty="0">
+                <a:solidFill>
+                  <a:schemeClr val="tx1"/>
+                </a:solidFill>
+                <a:latin typeface="+mj-lt"/>
+              </a:rPr>
+              <a:t>&gt; </a:t>
+            </a:r>
+            <a:r>
+              <a:rPr lang="en-US" altLang="zh-TW" sz="1800" dirty="0" err="1">
+                <a:solidFill>
+                  <a:schemeClr val="tx1"/>
+                </a:solidFill>
+                <a:latin typeface="+mj-lt"/>
+              </a:rPr>
+              <a:t>minikube</a:t>
+            </a:r>
+            <a:r>
+              <a:rPr lang="en-US" altLang="zh-TW" sz="1800" dirty="0">
+                <a:solidFill>
+                  <a:schemeClr val="tx1"/>
+                </a:solidFill>
+                <a:latin typeface="+mj-lt"/>
+              </a:rPr>
+              <a:t> version</a:t>
             </a:r>
           </a:p>
         </p:txBody>
@@ -4296,7 +4610,7 @@
             </a:pPr>
             <a:r>
               <a:rPr lang="en-US" sz="1600" dirty="0">
-                <a:hlinkClick r:id="rId3"/>
+                <a:hlinkClick r:id="rId4"/>
               </a:rPr>
               <a:t>https://kubernetes.io/docs/tasks/tools/install-minikube/</a:t>
             </a:r>
@@ -4335,7 +4649,7 @@
             <a:fld id="{A4F910E6-8D00-4BAF-8C48-9688E0B449D3}" type="datetime1">
               <a:rPr lang="zh-TW" altLang="en-US" smtClean="0"/>
               <a:pPr/>
-              <a:t>2020/4/24</a:t>
+              <a:t>2020/4/25</a:t>
             </a:fld>
             <a:endParaRPr lang="zh-TW" altLang="en-US"/>
           </a:p>
@@ -4473,10 +4787,10 @@
       </p:sp>
       <p:pic>
         <p:nvPicPr>
-          <p:cNvPr id="10" name="Picture 9">
+          <p:cNvPr id="7" name="Picture 6">
             <a:extLst>
               <a:ext uri="{FF2B5EF4-FFF2-40B4-BE49-F238E27FC236}">
-                <a16:creationId xmlns:a16="http://schemas.microsoft.com/office/drawing/2014/main" id="{13687117-EB7F-4D99-B053-08B0533205BE}"/>
+                <a16:creationId xmlns:a16="http://schemas.microsoft.com/office/drawing/2014/main" id="{14DB1731-59F3-4983-8834-B24938F518C0}"/>
               </a:ext>
             </a:extLst>
           </p:cNvPr>
@@ -4486,15 +4800,15 @@
           <p:nvPr/>
         </p:nvPicPr>
         <p:blipFill>
-          <a:blip r:embed="rId4"/>
+          <a:blip r:embed="rId5"/>
           <a:stretch>
             <a:fillRect/>
           </a:stretch>
         </p:blipFill>
         <p:spPr>
           <a:xfrm>
-            <a:off x="1371600" y="2506090"/>
-            <a:ext cx="6248400" cy="3143250"/>
+            <a:off x="1187624" y="4317169"/>
+            <a:ext cx="3838575" cy="647700"/>
           </a:xfrm>
           <a:prstGeom prst="rect">
             <a:avLst/>
@@ -4627,8 +4941,8 @@
         </p:nvSpPr>
         <p:spPr>
           <a:xfrm>
-            <a:off x="467544" y="1268760"/>
-            <a:ext cx="8352928" cy="1056042"/>
+            <a:off x="467544" y="1268758"/>
+            <a:ext cx="8352928" cy="1944218"/>
           </a:xfrm>
           <a:ln>
             <a:solidFill>
@@ -4652,26 +4966,11 @@
             </a:pPr>
             <a:r>
               <a:rPr lang="en-US" sz="1800" dirty="0">
-                <a:solidFill>
-                  <a:schemeClr val="tx1"/>
-                </a:solidFill>
-                <a:latin typeface="+mj-lt"/>
-                <a:hlinkClick r:id="rId2">
-                  <a:extLst>
-                    <a:ext uri="{A12FA001-AC4F-418D-AE19-62706E023703}">
-                      <ahyp:hlinkClr xmlns:ahyp="http://schemas.microsoft.com/office/drawing/2018/hyperlinkcolor" val="tx"/>
-                    </a:ext>
-                  </a:extLst>
-                </a:hlinkClick>
-              </a:rPr>
-              <a:t>https://kubernetes.io/docs/tasks/tools/install-minikube/</a:t>
-            </a:r>
-            <a:endParaRPr lang="en-US" altLang="zh-TW" sz="1800" dirty="0">
-              <a:solidFill>
-                <a:schemeClr val="tx1"/>
-              </a:solidFill>
-              <a:latin typeface="+mj-lt"/>
-            </a:endParaRPr>
+                <a:hlinkClick r:id="rId2"/>
+              </a:rPr>
+              <a:t>https://www.youtube.com/watch?v=ppgrKs1FNJE</a:t>
+            </a:r>
+            <a:endParaRPr lang="en-US" sz="1800" dirty="0"/>
           </a:p>
           <a:p>
             <a:pPr marL="342900" indent="-342900" algn="l">
@@ -4689,8 +4988,23 @@
                 </a:solidFill>
                 <a:latin typeface="+mj-lt"/>
               </a:rPr>
-              <a:t>Confirmed the installation</a:t>
-            </a:r>
+              <a:t>Start the </a:t>
+            </a:r>
+            <a:r>
+              <a:rPr lang="en-US" altLang="zh-TW" sz="1800" dirty="0" err="1">
+                <a:solidFill>
+                  <a:schemeClr val="tx1"/>
+                </a:solidFill>
+                <a:latin typeface="+mj-lt"/>
+              </a:rPr>
+              <a:t>minikube</a:t>
+            </a:r>
+            <a:endParaRPr lang="en-US" altLang="zh-TW" sz="1800" dirty="0">
+              <a:solidFill>
+                <a:schemeClr val="tx1"/>
+              </a:solidFill>
+              <a:latin typeface="+mj-lt"/>
+            </a:endParaRPr>
           </a:p>
           <a:p>
             <a:pPr marL="342900" indent="-342900" algn="l">
@@ -4717,6 +5031,71 @@
                 </a:solidFill>
                 <a:latin typeface="+mj-lt"/>
               </a:rPr>
+              <a:t>minibube</a:t>
+            </a:r>
+            <a:r>
+              <a:rPr lang="en-US" altLang="zh-TW" sz="1800" dirty="0">
+                <a:solidFill>
+                  <a:schemeClr val="tx1"/>
+                </a:solidFill>
+                <a:latin typeface="+mj-lt"/>
+              </a:rPr>
+              <a:t> start</a:t>
+            </a:r>
+          </a:p>
+          <a:p>
+            <a:pPr marL="342900" indent="-342900" algn="l">
+              <a:buClr>
+                <a:srgbClr val="0070C0"/>
+              </a:buClr>
+              <a:buSzPct val="80000"/>
+              <a:buFont typeface="Wingdings" pitchFamily="2" charset="2"/>
+              <a:buChar char="u"/>
+            </a:pPr>
+            <a:r>
+              <a:rPr lang="en-US" altLang="zh-TW" sz="1800" dirty="0" err="1">
+                <a:solidFill>
+                  <a:schemeClr val="tx1"/>
+                </a:solidFill>
+                <a:latin typeface="+mj-lt"/>
+              </a:rPr>
+              <a:t>Minikube</a:t>
+            </a:r>
+            <a:r>
+              <a:rPr lang="en-US" altLang="zh-TW" sz="1800" dirty="0">
+                <a:solidFill>
+                  <a:schemeClr val="tx1"/>
+                </a:solidFill>
+                <a:latin typeface="+mj-lt"/>
+              </a:rPr>
+              <a:t> is on Window 10 Home Edition. </a:t>
+            </a:r>
+          </a:p>
+          <a:p>
+            <a:pPr marL="342900" indent="-342900" algn="l">
+              <a:buClr>
+                <a:srgbClr val="0070C0"/>
+              </a:buClr>
+              <a:buSzPct val="80000"/>
+              <a:buFont typeface="Wingdings" pitchFamily="2" charset="2"/>
+              <a:buChar char="u"/>
+            </a:pPr>
+            <a:r>
+              <a:rPr lang="en-US" altLang="zh-TW" sz="1800" dirty="0">
+                <a:solidFill>
+                  <a:schemeClr val="tx1"/>
+                </a:solidFill>
+                <a:latin typeface="+mj-lt"/>
+              </a:rPr>
+              <a:t>By default, </a:t>
+            </a:r>
+            <a:r>
+              <a:rPr lang="en-US" altLang="zh-TW" sz="1800" dirty="0" err="1">
+                <a:solidFill>
+                  <a:schemeClr val="tx1"/>
+                </a:solidFill>
+                <a:latin typeface="+mj-lt"/>
+              </a:rPr>
               <a:t>minikube</a:t>
             </a:r>
             <a:r>
@@ -4726,7 +5105,62 @@
                 </a:solidFill>
                 <a:latin typeface="+mj-lt"/>
               </a:rPr>
-              <a:t> status</a:t>
+              <a:t> select the VirtualBox Driver for installing </a:t>
+            </a:r>
+            <a:r>
+              <a:rPr lang="en-US" altLang="zh-TW" sz="1800" dirty="0" err="1">
+                <a:solidFill>
+                  <a:schemeClr val="tx1"/>
+                </a:solidFill>
+                <a:latin typeface="+mj-lt"/>
+              </a:rPr>
+              <a:t>minikube</a:t>
+            </a:r>
+            <a:r>
+              <a:rPr lang="en-US" altLang="zh-TW" sz="1800" dirty="0">
+                <a:solidFill>
+                  <a:schemeClr val="tx1"/>
+                </a:solidFill>
+                <a:latin typeface="+mj-lt"/>
+              </a:rPr>
+              <a:t> version. </a:t>
+            </a:r>
+          </a:p>
+          <a:p>
+            <a:pPr marL="342900" indent="-342900" algn="l">
+              <a:buClr>
+                <a:srgbClr val="0070C0"/>
+              </a:buClr>
+              <a:buSzPct val="80000"/>
+              <a:buFont typeface="Wingdings" pitchFamily="2" charset="2"/>
+              <a:buChar char="u"/>
+            </a:pPr>
+            <a:r>
+              <a:rPr lang="en-US" altLang="zh-TW" sz="1800" dirty="0">
+                <a:solidFill>
+                  <a:schemeClr val="tx1"/>
+                </a:solidFill>
+                <a:latin typeface="+mj-lt"/>
+              </a:rPr>
+              <a:t>It starts downloading the </a:t>
+            </a:r>
+            <a:r>
+              <a:rPr lang="en-US" altLang="zh-TW" sz="1800" dirty="0" err="1">
+                <a:solidFill>
+                  <a:schemeClr val="tx1"/>
+                </a:solidFill>
+                <a:latin typeface="+mj-lt"/>
+              </a:rPr>
+              <a:t>minikube</a:t>
+            </a:r>
+            <a:r>
+              <a:rPr lang="en-US" altLang="zh-TW" sz="1800" dirty="0">
+                <a:solidFill>
+                  <a:schemeClr val="tx1"/>
+                </a:solidFill>
+                <a:latin typeface="+mj-lt"/>
+              </a:rPr>
+              <a:t> ISO from the Google Storage. </a:t>
             </a:r>
           </a:p>
         </p:txBody>
@@ -4826,7 +5260,7 @@
             <a:fld id="{A4F910E6-8D00-4BAF-8C48-9688E0B449D3}" type="datetime1">
               <a:rPr lang="zh-TW" altLang="en-US" smtClean="0"/>
               <a:pPr/>
-              <a:t>2020/4/24</a:t>
+              <a:t>2020/4/25</a:t>
             </a:fld>
             <a:endParaRPr lang="zh-TW" altLang="en-US"/>
           </a:p>
@@ -4851,6 +5285,1311 @@
               <a:rPr lang="zh-TW" altLang="en-US" smtClean="0"/>
               <a:pPr/>
               <a:t>5</a:t>
+            </a:fld>
+            <a:endParaRPr lang="zh-TW" altLang="en-US"/>
+          </a:p>
+        </p:txBody>
+      </p:sp>
+      <p:sp>
+        <p:nvSpPr>
+          <p:cNvPr id="8" name="Rectangle 2">
+            <a:extLst>
+              <a:ext uri="{FF2B5EF4-FFF2-40B4-BE49-F238E27FC236}">
+                <a16:creationId xmlns:a16="http://schemas.microsoft.com/office/drawing/2014/main" id="{CE04BFC2-17A5-4D88-AB75-09117EFFD5AB}"/>
+              </a:ext>
+            </a:extLst>
+          </p:cNvPr>
+          <p:cNvSpPr>
+            <a:spLocks noChangeArrowheads="1"/>
+          </p:cNvSpPr>
+          <p:nvPr/>
+        </p:nvSpPr>
+        <p:spPr bwMode="auto">
+          <a:xfrm>
+            <a:off x="0" y="-46166"/>
+            <a:ext cx="9144000" cy="92333"/>
+          </a:xfrm>
+          <a:prstGeom prst="rect">
+            <a:avLst/>
+          </a:prstGeom>
+          <a:noFill/>
+          <a:ln>
+            <a:noFill/>
+          </a:ln>
+          <a:effectLst/>
+          <a:extLst>
+            <a:ext uri="{909E8E84-426E-40DD-AFC4-6F175D3DCCD1}">
+              <a14:hiddenFill xmlns:a14="http://schemas.microsoft.com/office/drawing/2010/main">
+                <a:solidFill>
+                  <a:schemeClr val="accent1"/>
+                </a:solidFill>
+              </a14:hiddenFill>
+            </a:ext>
+            <a:ext uri="{91240B29-F687-4F45-9708-019B960494DF}">
+              <a14:hiddenLine xmlns:a14="http://schemas.microsoft.com/office/drawing/2010/main" w="9525">
+                <a:solidFill>
+                  <a:schemeClr val="tx1"/>
+                </a:solidFill>
+                <a:miter lim="800000"/>
+                <a:headEnd/>
+                <a:tailEnd/>
+              </a14:hiddenLine>
+            </a:ext>
+            <a:ext uri="{AF507438-7753-43E0-B8FC-AC1667EBCBE1}">
+              <a14:hiddenEffects xmlns:a14="http://schemas.microsoft.com/office/drawing/2010/main">
+                <a:effectLst>
+                  <a:outerShdw dist="35921" dir="2700000" algn="ctr" rotWithShape="0">
+                    <a:schemeClr val="bg2"/>
+                  </a:outerShdw>
+                </a:effectLst>
+              </a14:hiddenEffects>
+            </a:ext>
+          </a:extLst>
+        </p:spPr>
+        <p:txBody>
+          <a:bodyPr vert="horz" wrap="square" lIns="0" tIns="0" rIns="0" bIns="0" numCol="1" anchor="ctr" anchorCtr="0" compatLnSpc="1">
+            <a:prstTxWarp prst="textNoShape">
+              <a:avLst/>
+            </a:prstTxWarp>
+            <a:spAutoFit/>
+          </a:bodyPr>
+          <a:lstStyle/>
+          <a:p>
+            <a:pPr marL="0" marR="0" lvl="0" indent="0" algn="l" defTabSz="914400" rtl="0" eaLnBrk="0" fontAlgn="base" latinLnBrk="0" hangingPunct="0">
+              <a:lnSpc>
+                <a:spcPct val="100000"/>
+              </a:lnSpc>
+              <a:spcBef>
+                <a:spcPct val="0"/>
+              </a:spcBef>
+              <a:spcAft>
+                <a:spcPct val="0"/>
+              </a:spcAft>
+              <a:buClrTx/>
+              <a:buSzTx/>
+              <a:buFontTx/>
+              <a:buNone/>
+              <a:tabLst/>
+            </a:pPr>
+            <a:r>
+              <a:rPr kumimoji="0" lang="en-US" altLang="en-US" sz="600" b="0" i="0" u="none" strike="noStrike" cap="none" normalizeH="0" baseline="0" dirty="0">
+                <a:ln>
+                  <a:noFill/>
+                </a:ln>
+                <a:solidFill>
+                  <a:schemeClr val="tx1"/>
+                </a:solidFill>
+                <a:effectLst/>
+              </a:rPr>
+              <a:t> </a:t>
+            </a:r>
+            <a:endParaRPr kumimoji="0" lang="en-US" altLang="en-US" sz="1800" b="0" i="0" u="none" strike="noStrike" cap="none" normalizeH="0" baseline="0" dirty="0">
+              <a:ln>
+                <a:noFill/>
+              </a:ln>
+              <a:solidFill>
+                <a:schemeClr val="tx1"/>
+              </a:solidFill>
+              <a:effectLst/>
+              <a:latin typeface="Arial" panose="020B0604020202020204" pitchFamily="34" charset="0"/>
+            </a:endParaRPr>
+          </a:p>
+        </p:txBody>
+      </p:sp>
+      <p:pic>
+        <p:nvPicPr>
+          <p:cNvPr id="10" name="Picture 9">
+            <a:extLst>
+              <a:ext uri="{FF2B5EF4-FFF2-40B4-BE49-F238E27FC236}">
+                <a16:creationId xmlns:a16="http://schemas.microsoft.com/office/drawing/2014/main" id="{13687117-EB7F-4D99-B053-08B0533205BE}"/>
+              </a:ext>
+            </a:extLst>
+          </p:cNvPr>
+          <p:cNvPicPr>
+            <a:picLocks noChangeAspect="1"/>
+          </p:cNvPicPr>
+          <p:nvPr/>
+        </p:nvPicPr>
+        <p:blipFill>
+          <a:blip r:embed="rId4"/>
+          <a:stretch>
+            <a:fillRect/>
+          </a:stretch>
+        </p:blipFill>
+        <p:spPr>
+          <a:xfrm>
+            <a:off x="1619672" y="3370209"/>
+            <a:ext cx="6120680" cy="3079001"/>
+          </a:xfrm>
+          <a:prstGeom prst="rect">
+            <a:avLst/>
+          </a:prstGeom>
+          <a:ln>
+            <a:solidFill>
+              <a:srgbClr val="C00000"/>
+            </a:solidFill>
+          </a:ln>
+        </p:spPr>
+      </p:pic>
+    </p:spTree>
+    <p:extLst>
+      <p:ext uri="{BB962C8B-B14F-4D97-AF65-F5344CB8AC3E}">
+        <p14:creationId xmlns:p14="http://schemas.microsoft.com/office/powerpoint/2010/main" val="4256562068"/>
+      </p:ext>
+    </p:extLst>
+  </p:cSld>
+  <p:clrMapOvr>
+    <a:masterClrMapping/>
+  </p:clrMapOvr>
+</p:sld>
+</file>
+
+<file path=ppt/slides/slide6.xml><?xml version="1.0" encoding="utf-8"?>
+<p:sld xmlns:a="http://schemas.openxmlformats.org/drawingml/2006/main" xmlns:r="http://schemas.openxmlformats.org/officeDocument/2006/relationships" xmlns:p="http://schemas.openxmlformats.org/presentationml/2006/main">
+  <p:cSld>
+    <p:bg>
+      <p:bgPr>
+        <a:noFill/>
+        <a:effectLst/>
+      </p:bgPr>
+    </p:bg>
+    <p:spTree>
+      <p:nvGrpSpPr>
+        <p:cNvPr id="1" name=""/>
+        <p:cNvGrpSpPr/>
+        <p:nvPr/>
+      </p:nvGrpSpPr>
+      <p:grpSpPr>
+        <a:xfrm>
+          <a:off x="0" y="0"/>
+          <a:ext cx="0" cy="0"/>
+          <a:chOff x="0" y="0"/>
+          <a:chExt cx="0" cy="0"/>
+        </a:xfrm>
+      </p:grpSpPr>
+      <p:sp>
+        <p:nvSpPr>
+          <p:cNvPr id="2" name="標題 1"/>
+          <p:cNvSpPr>
+            <a:spLocks noGrp="1"/>
+          </p:cNvSpPr>
+          <p:nvPr>
+            <p:ph type="ctrTitle"/>
+          </p:nvPr>
+        </p:nvSpPr>
+        <p:spPr>
+          <a:xfrm>
+            <a:off x="0" y="1"/>
+            <a:ext cx="9144000" cy="764704"/>
+          </a:xfrm>
+          <a:gradFill flip="none" rotWithShape="1">
+            <a:gsLst>
+              <a:gs pos="0">
+                <a:srgbClr val="C00000">
+                  <a:shade val="30000"/>
+                  <a:satMod val="115000"/>
+                </a:srgbClr>
+              </a:gs>
+              <a:gs pos="50000">
+                <a:srgbClr val="C00000">
+                  <a:shade val="67500"/>
+                  <a:satMod val="115000"/>
+                </a:srgbClr>
+              </a:gs>
+              <a:gs pos="100000">
+                <a:srgbClr val="C00000">
+                  <a:shade val="100000"/>
+                  <a:satMod val="115000"/>
+                </a:srgbClr>
+              </a:gs>
+            </a:gsLst>
+            <a:path path="circle">
+              <a:fillToRect t="100000" r="100000"/>
+            </a:path>
+            <a:tileRect l="-100000" b="-100000"/>
+          </a:gradFill>
+        </p:spPr>
+        <p:txBody>
+          <a:bodyPr>
+            <a:normAutofit/>
+          </a:bodyPr>
+          <a:lstStyle/>
+          <a:p>
+            <a:pPr algn="l"/>
+            <a:r>
+              <a:rPr lang="en-US" altLang="zh-TW" b="1" dirty="0">
+                <a:solidFill>
+                  <a:srgbClr val="FFFF00"/>
+                </a:solidFill>
+              </a:rPr>
+              <a:t>5.1 Install </a:t>
+            </a:r>
+            <a:r>
+              <a:rPr lang="en-US" altLang="zh-TW" b="1" dirty="0" err="1">
+                <a:solidFill>
+                  <a:srgbClr val="FFFF00"/>
+                </a:solidFill>
+              </a:rPr>
+              <a:t>Minikube</a:t>
+            </a:r>
+            <a:endParaRPr lang="zh-TW" altLang="en-US" b="1" dirty="0">
+              <a:solidFill>
+                <a:srgbClr val="FFFF00"/>
+              </a:solidFill>
+            </a:endParaRPr>
+          </a:p>
+        </p:txBody>
+      </p:sp>
+      <p:sp>
+        <p:nvSpPr>
+          <p:cNvPr id="3" name="副標題 2"/>
+          <p:cNvSpPr>
+            <a:spLocks noGrp="1"/>
+          </p:cNvSpPr>
+          <p:nvPr>
+            <p:ph type="subTitle" idx="1"/>
+          </p:nvPr>
+        </p:nvSpPr>
+        <p:spPr>
+          <a:xfrm>
+            <a:off x="467544" y="1268757"/>
+            <a:ext cx="8352928" cy="1355585"/>
+          </a:xfrm>
+          <a:ln>
+            <a:solidFill>
+              <a:srgbClr val="C00000"/>
+            </a:solidFill>
+          </a:ln>
+        </p:spPr>
+        <p:txBody>
+          <a:bodyPr>
+            <a:noAutofit/>
+          </a:bodyPr>
+          <a:lstStyle/>
+          <a:p>
+            <a:pPr marL="342900" indent="-342900" algn="l">
+              <a:buClr>
+                <a:srgbClr val="0070C0"/>
+              </a:buClr>
+              <a:buSzPct val="80000"/>
+              <a:buFont typeface="Wingdings" pitchFamily="2" charset="2"/>
+              <a:buChar char="u"/>
+            </a:pPr>
+            <a:r>
+              <a:rPr lang="en-US" sz="1800" dirty="0">
+                <a:hlinkClick r:id="rId2"/>
+              </a:rPr>
+              <a:t>https://www.youtube.com/watch?v=ppgrKs1FNJE</a:t>
+            </a:r>
+            <a:endParaRPr lang="en-US" sz="1800" dirty="0"/>
+          </a:p>
+          <a:p>
+            <a:pPr marL="342900" indent="-342900" algn="l">
+              <a:buClr>
+                <a:srgbClr val="0070C0"/>
+              </a:buClr>
+              <a:buSzPct val="80000"/>
+              <a:buFont typeface="Wingdings" pitchFamily="2" charset="2"/>
+              <a:buChar char="u"/>
+            </a:pPr>
+            <a:r>
+              <a:rPr lang="en-US" altLang="zh-TW" sz="1800" dirty="0">
+                <a:solidFill>
+                  <a:schemeClr val="tx1"/>
+                </a:solidFill>
+                <a:latin typeface="+mj-lt"/>
+              </a:rPr>
+              <a:t>Once the download is completed. </a:t>
+            </a:r>
+          </a:p>
+          <a:p>
+            <a:pPr marL="342900" indent="-342900" algn="l">
+              <a:buClr>
+                <a:srgbClr val="0070C0"/>
+              </a:buClr>
+              <a:buSzPct val="80000"/>
+              <a:buFont typeface="Wingdings" pitchFamily="2" charset="2"/>
+              <a:buChar char="u"/>
+            </a:pPr>
+            <a:r>
+              <a:rPr lang="en-US" altLang="zh-TW" sz="1800" dirty="0">
+                <a:solidFill>
+                  <a:schemeClr val="tx1"/>
+                </a:solidFill>
+                <a:latin typeface="+mj-lt"/>
+              </a:rPr>
+              <a:t>Open the </a:t>
+            </a:r>
+            <a:r>
+              <a:rPr lang="en-US" altLang="zh-TW" sz="1800" dirty="0" err="1">
+                <a:solidFill>
+                  <a:schemeClr val="tx1"/>
+                </a:solidFill>
+                <a:latin typeface="+mj-lt"/>
+              </a:rPr>
+              <a:t>virualBox</a:t>
+            </a:r>
+            <a:r>
+              <a:rPr lang="en-US" altLang="zh-TW" sz="1800" dirty="0">
+                <a:solidFill>
+                  <a:schemeClr val="tx1"/>
+                </a:solidFill>
+                <a:latin typeface="+mj-lt"/>
+              </a:rPr>
+              <a:t>. It starts a new </a:t>
+            </a:r>
+            <a:r>
+              <a:rPr lang="en-US" altLang="zh-TW" sz="1800" b="1" dirty="0" err="1">
+                <a:solidFill>
+                  <a:srgbClr val="C00000"/>
+                </a:solidFill>
+                <a:latin typeface="+mj-lt"/>
+              </a:rPr>
+              <a:t>minikube</a:t>
+            </a:r>
+            <a:r>
+              <a:rPr lang="en-US" altLang="zh-TW" sz="1800" b="1" dirty="0">
+                <a:solidFill>
+                  <a:srgbClr val="C00000"/>
+                </a:solidFill>
+                <a:latin typeface="+mj-lt"/>
+              </a:rPr>
+              <a:t> </a:t>
+            </a:r>
+            <a:r>
+              <a:rPr lang="en-US" altLang="zh-TW" sz="1800" dirty="0">
+                <a:solidFill>
+                  <a:schemeClr val="tx1"/>
+                </a:solidFill>
+                <a:latin typeface="+mj-lt"/>
+              </a:rPr>
+              <a:t>VM in </a:t>
+            </a:r>
+            <a:r>
+              <a:rPr lang="en-US" altLang="zh-TW" sz="1800" dirty="0" err="1">
+                <a:solidFill>
+                  <a:schemeClr val="tx1"/>
+                </a:solidFill>
+                <a:latin typeface="+mj-lt"/>
+              </a:rPr>
+              <a:t>VirutalBox</a:t>
+            </a:r>
+            <a:r>
+              <a:rPr lang="en-US" altLang="zh-TW" sz="1800" dirty="0">
+                <a:solidFill>
+                  <a:schemeClr val="tx1"/>
+                </a:solidFill>
+                <a:latin typeface="+mj-lt"/>
+              </a:rPr>
+              <a:t>.</a:t>
+            </a:r>
+          </a:p>
+          <a:p>
+            <a:pPr marL="342900" indent="-342900" algn="l">
+              <a:buClr>
+                <a:srgbClr val="0070C0"/>
+              </a:buClr>
+              <a:buSzPct val="80000"/>
+              <a:buFont typeface="Wingdings" pitchFamily="2" charset="2"/>
+              <a:buChar char="u"/>
+            </a:pPr>
+            <a:r>
+              <a:rPr lang="en-US" altLang="zh-TW" sz="1800" dirty="0" err="1">
+                <a:solidFill>
+                  <a:schemeClr val="tx1"/>
+                </a:solidFill>
+                <a:latin typeface="+mj-lt"/>
+              </a:rPr>
+              <a:t>Minikube</a:t>
+            </a:r>
+            <a:r>
+              <a:rPr lang="en-US" altLang="zh-TW" sz="1800" dirty="0">
+                <a:solidFill>
+                  <a:schemeClr val="tx1"/>
+                </a:solidFill>
+                <a:latin typeface="+mj-lt"/>
+              </a:rPr>
+              <a:t> is ready to use.</a:t>
+            </a:r>
+          </a:p>
+        </p:txBody>
+      </p:sp>
+      <p:sp>
+        <p:nvSpPr>
+          <p:cNvPr id="4" name="標題 1"/>
+          <p:cNvSpPr txBox="1">
+            <a:spLocks/>
+          </p:cNvSpPr>
+          <p:nvPr/>
+        </p:nvSpPr>
+        <p:spPr>
+          <a:xfrm>
+            <a:off x="0" y="764704"/>
+            <a:ext cx="9144000" cy="360040"/>
+          </a:xfrm>
+          <a:prstGeom prst="rect">
+            <a:avLst/>
+          </a:prstGeom>
+          <a:gradFill flip="none" rotWithShape="1">
+            <a:gsLst>
+              <a:gs pos="0">
+                <a:srgbClr val="00B0F0">
+                  <a:shade val="30000"/>
+                  <a:satMod val="115000"/>
+                </a:srgbClr>
+              </a:gs>
+              <a:gs pos="50000">
+                <a:srgbClr val="00B0F0">
+                  <a:shade val="67500"/>
+                  <a:satMod val="115000"/>
+                </a:srgbClr>
+              </a:gs>
+              <a:gs pos="100000">
+                <a:srgbClr val="00B0F0">
+                  <a:shade val="100000"/>
+                  <a:satMod val="115000"/>
+                </a:srgbClr>
+              </a:gs>
+            </a:gsLst>
+            <a:path path="circle">
+              <a:fillToRect t="100000" r="100000"/>
+            </a:path>
+            <a:tileRect l="-100000" b="-100000"/>
+          </a:gradFill>
+        </p:spPr>
+        <p:txBody>
+          <a:bodyPr vert="horz" lIns="91440" tIns="45720" rIns="91440" bIns="45720" rtlCol="0" anchor="ctr">
+            <a:normAutofit/>
+          </a:bodyPr>
+          <a:lstStyle/>
+          <a:p>
+            <a:pPr lvl="0">
+              <a:spcBef>
+                <a:spcPct val="0"/>
+              </a:spcBef>
+            </a:pPr>
+            <a:r>
+              <a:rPr lang="en-US" sz="1600" dirty="0">
+                <a:hlinkClick r:id="rId3"/>
+              </a:rPr>
+              <a:t>https://kubernetes.io/docs/tasks/tools/install-minikube/</a:t>
+            </a:r>
+            <a:endParaRPr kumimoji="0" lang="zh-TW" altLang="en-US" sz="1600" b="0" i="0" u="none" strike="noStrike" kern="1200" cap="none" spc="0" normalizeH="0" baseline="0" noProof="0" dirty="0">
+              <a:ln>
+                <a:noFill/>
+              </a:ln>
+              <a:solidFill>
+                <a:schemeClr val="tx1"/>
+              </a:solidFill>
+              <a:effectLst/>
+              <a:uLnTx/>
+              <a:uFillTx/>
+              <a:latin typeface="+mj-lt"/>
+              <a:ea typeface="+mj-ea"/>
+              <a:cs typeface="+mj-cs"/>
+            </a:endParaRPr>
+          </a:p>
+        </p:txBody>
+      </p:sp>
+      <p:sp>
+        <p:nvSpPr>
+          <p:cNvPr id="5" name="日期版面配置區 4"/>
+          <p:cNvSpPr>
+            <a:spLocks noGrp="1"/>
+          </p:cNvSpPr>
+          <p:nvPr>
+            <p:ph type="dt" sz="half" idx="10"/>
+          </p:nvPr>
+        </p:nvSpPr>
+        <p:spPr/>
+        <p:txBody>
+          <a:bodyPr/>
+          <a:lstStyle/>
+          <a:p>
+            <a:fld id="{A4F910E6-8D00-4BAF-8C48-9688E0B449D3}" type="datetime1">
+              <a:rPr lang="zh-TW" altLang="en-US" smtClean="0"/>
+              <a:pPr/>
+              <a:t>2020/4/25</a:t>
+            </a:fld>
+            <a:endParaRPr lang="zh-TW" altLang="en-US"/>
+          </a:p>
+        </p:txBody>
+      </p:sp>
+      <p:sp>
+        <p:nvSpPr>
+          <p:cNvPr id="6" name="投影片編號版面配置區 5"/>
+          <p:cNvSpPr>
+            <a:spLocks noGrp="1"/>
+          </p:cNvSpPr>
+          <p:nvPr>
+            <p:ph type="sldNum" sz="quarter" idx="12"/>
+          </p:nvPr>
+        </p:nvSpPr>
+        <p:spPr/>
+        <p:txBody>
+          <a:bodyPr/>
+          <a:lstStyle/>
+          <a:p>
+            <a:fld id="{E4D7E63D-91F2-4366-A2C4-1B00C9E2590E}" type="slidenum">
+              <a:rPr lang="zh-TW" altLang="en-US" smtClean="0"/>
+              <a:pPr/>
+              <a:t>6</a:t>
+            </a:fld>
+            <a:endParaRPr lang="zh-TW" altLang="en-US"/>
+          </a:p>
+        </p:txBody>
+      </p:sp>
+      <p:sp>
+        <p:nvSpPr>
+          <p:cNvPr id="8" name="Rectangle 2">
+            <a:extLst>
+              <a:ext uri="{FF2B5EF4-FFF2-40B4-BE49-F238E27FC236}">
+                <a16:creationId xmlns:a16="http://schemas.microsoft.com/office/drawing/2014/main" id="{CE04BFC2-17A5-4D88-AB75-09117EFFD5AB}"/>
+              </a:ext>
+            </a:extLst>
+          </p:cNvPr>
+          <p:cNvSpPr>
+            <a:spLocks noChangeArrowheads="1"/>
+          </p:cNvSpPr>
+          <p:nvPr/>
+        </p:nvSpPr>
+        <p:spPr bwMode="auto">
+          <a:xfrm>
+            <a:off x="0" y="-46166"/>
+            <a:ext cx="9144000" cy="92333"/>
+          </a:xfrm>
+          <a:prstGeom prst="rect">
+            <a:avLst/>
+          </a:prstGeom>
+          <a:noFill/>
+          <a:ln>
+            <a:noFill/>
+          </a:ln>
+          <a:effectLst/>
+          <a:extLst>
+            <a:ext uri="{909E8E84-426E-40DD-AFC4-6F175D3DCCD1}">
+              <a14:hiddenFill xmlns:a14="http://schemas.microsoft.com/office/drawing/2010/main">
+                <a:solidFill>
+                  <a:schemeClr val="accent1"/>
+                </a:solidFill>
+              </a14:hiddenFill>
+            </a:ext>
+            <a:ext uri="{91240B29-F687-4F45-9708-019B960494DF}">
+              <a14:hiddenLine xmlns:a14="http://schemas.microsoft.com/office/drawing/2010/main" w="9525">
+                <a:solidFill>
+                  <a:schemeClr val="tx1"/>
+                </a:solidFill>
+                <a:miter lim="800000"/>
+                <a:headEnd/>
+                <a:tailEnd/>
+              </a14:hiddenLine>
+            </a:ext>
+            <a:ext uri="{AF507438-7753-43E0-B8FC-AC1667EBCBE1}">
+              <a14:hiddenEffects xmlns:a14="http://schemas.microsoft.com/office/drawing/2010/main">
+                <a:effectLst>
+                  <a:outerShdw dist="35921" dir="2700000" algn="ctr" rotWithShape="0">
+                    <a:schemeClr val="bg2"/>
+                  </a:outerShdw>
+                </a:effectLst>
+              </a14:hiddenEffects>
+            </a:ext>
+          </a:extLst>
+        </p:spPr>
+        <p:txBody>
+          <a:bodyPr vert="horz" wrap="square" lIns="0" tIns="0" rIns="0" bIns="0" numCol="1" anchor="ctr" anchorCtr="0" compatLnSpc="1">
+            <a:prstTxWarp prst="textNoShape">
+              <a:avLst/>
+            </a:prstTxWarp>
+            <a:spAutoFit/>
+          </a:bodyPr>
+          <a:lstStyle/>
+          <a:p>
+            <a:pPr marL="0" marR="0" lvl="0" indent="0" algn="l" defTabSz="914400" rtl="0" eaLnBrk="0" fontAlgn="base" latinLnBrk="0" hangingPunct="0">
+              <a:lnSpc>
+                <a:spcPct val="100000"/>
+              </a:lnSpc>
+              <a:spcBef>
+                <a:spcPct val="0"/>
+              </a:spcBef>
+              <a:spcAft>
+                <a:spcPct val="0"/>
+              </a:spcAft>
+              <a:buClrTx/>
+              <a:buSzTx/>
+              <a:buFontTx/>
+              <a:buNone/>
+              <a:tabLst/>
+            </a:pPr>
+            <a:r>
+              <a:rPr kumimoji="0" lang="en-US" altLang="en-US" sz="600" b="0" i="0" u="none" strike="noStrike" cap="none" normalizeH="0" baseline="0" dirty="0">
+                <a:ln>
+                  <a:noFill/>
+                </a:ln>
+                <a:solidFill>
+                  <a:schemeClr val="tx1"/>
+                </a:solidFill>
+                <a:effectLst/>
+              </a:rPr>
+              <a:t> </a:t>
+            </a:r>
+            <a:endParaRPr kumimoji="0" lang="en-US" altLang="en-US" sz="1800" b="0" i="0" u="none" strike="noStrike" cap="none" normalizeH="0" baseline="0" dirty="0">
+              <a:ln>
+                <a:noFill/>
+              </a:ln>
+              <a:solidFill>
+                <a:schemeClr val="tx1"/>
+              </a:solidFill>
+              <a:effectLst/>
+              <a:latin typeface="Arial" panose="020B0604020202020204" pitchFamily="34" charset="0"/>
+            </a:endParaRPr>
+          </a:p>
+        </p:txBody>
+      </p:sp>
+      <p:pic>
+        <p:nvPicPr>
+          <p:cNvPr id="9" name="Picture 8">
+            <a:extLst>
+              <a:ext uri="{FF2B5EF4-FFF2-40B4-BE49-F238E27FC236}">
+                <a16:creationId xmlns:a16="http://schemas.microsoft.com/office/drawing/2014/main" id="{6CE26AD3-76D0-48B5-9179-100AE9E145C7}"/>
+              </a:ext>
+            </a:extLst>
+          </p:cNvPr>
+          <p:cNvPicPr>
+            <a:picLocks noChangeAspect="1"/>
+          </p:cNvPicPr>
+          <p:nvPr/>
+        </p:nvPicPr>
+        <p:blipFill>
+          <a:blip r:embed="rId4"/>
+          <a:stretch>
+            <a:fillRect/>
+          </a:stretch>
+        </p:blipFill>
+        <p:spPr>
+          <a:xfrm>
+            <a:off x="4929576" y="2515329"/>
+            <a:ext cx="3247247" cy="3665347"/>
+          </a:xfrm>
+          <a:prstGeom prst="rect">
+            <a:avLst/>
+          </a:prstGeom>
+          <a:ln>
+            <a:solidFill>
+              <a:srgbClr val="C00000"/>
+            </a:solidFill>
+          </a:ln>
+        </p:spPr>
+      </p:pic>
+      <p:pic>
+        <p:nvPicPr>
+          <p:cNvPr id="11" name="Picture 10">
+            <a:extLst>
+              <a:ext uri="{FF2B5EF4-FFF2-40B4-BE49-F238E27FC236}">
+                <a16:creationId xmlns:a16="http://schemas.microsoft.com/office/drawing/2014/main" id="{26544D5F-EAF5-466F-A6AF-6CF2E6E5F714}"/>
+              </a:ext>
+            </a:extLst>
+          </p:cNvPr>
+          <p:cNvPicPr>
+            <a:picLocks noChangeAspect="1"/>
+          </p:cNvPicPr>
+          <p:nvPr/>
+        </p:nvPicPr>
+        <p:blipFill>
+          <a:blip r:embed="rId5"/>
+          <a:stretch>
+            <a:fillRect/>
+          </a:stretch>
+        </p:blipFill>
+        <p:spPr>
+          <a:xfrm>
+            <a:off x="467544" y="3053211"/>
+            <a:ext cx="695325" cy="1009650"/>
+          </a:xfrm>
+          <a:prstGeom prst="rect">
+            <a:avLst/>
+          </a:prstGeom>
+          <a:ln>
+            <a:solidFill>
+              <a:srgbClr val="C00000"/>
+            </a:solidFill>
+          </a:ln>
+        </p:spPr>
+      </p:pic>
+      <p:sp>
+        <p:nvSpPr>
+          <p:cNvPr id="17" name="Rectangle 16">
+            <a:extLst>
+              <a:ext uri="{FF2B5EF4-FFF2-40B4-BE49-F238E27FC236}">
+                <a16:creationId xmlns:a16="http://schemas.microsoft.com/office/drawing/2014/main" id="{7B02D88D-33AA-45E7-9200-D36BAA849E9C}"/>
+              </a:ext>
+            </a:extLst>
+          </p:cNvPr>
+          <p:cNvSpPr/>
+          <p:nvPr/>
+        </p:nvSpPr>
+        <p:spPr>
+          <a:xfrm>
+            <a:off x="4952369" y="3504780"/>
+            <a:ext cx="915775" cy="396280"/>
+          </a:xfrm>
+          <a:prstGeom prst="rect">
+            <a:avLst/>
+          </a:prstGeom>
+          <a:noFill/>
+          <a:ln>
+            <a:solidFill>
+              <a:srgbClr val="C00000"/>
+            </a:solidFill>
+          </a:ln>
+        </p:spPr>
+        <p:style>
+          <a:lnRef idx="2">
+            <a:schemeClr val="accent1">
+              <a:shade val="50000"/>
+            </a:schemeClr>
+          </a:lnRef>
+          <a:fillRef idx="1">
+            <a:schemeClr val="accent1"/>
+          </a:fillRef>
+          <a:effectRef idx="0">
+            <a:schemeClr val="accent1"/>
+          </a:effectRef>
+          <a:fontRef idx="minor">
+            <a:schemeClr val="lt1"/>
+          </a:fontRef>
+        </p:style>
+        <p:txBody>
+          <a:bodyPr rtlCol="0" anchor="ctr"/>
+          <a:lstStyle/>
+          <a:p>
+            <a:pPr algn="ctr"/>
+            <a:endParaRPr lang="en-US"/>
+          </a:p>
+        </p:txBody>
+      </p:sp>
+      <p:pic>
+        <p:nvPicPr>
+          <p:cNvPr id="19" name="Picture 18">
+            <a:extLst>
+              <a:ext uri="{FF2B5EF4-FFF2-40B4-BE49-F238E27FC236}">
+                <a16:creationId xmlns:a16="http://schemas.microsoft.com/office/drawing/2014/main" id="{BD999D4E-A844-43E0-B1A9-5E7C75CA0C3B}"/>
+              </a:ext>
+            </a:extLst>
+          </p:cNvPr>
+          <p:cNvPicPr>
+            <a:picLocks noChangeAspect="1"/>
+          </p:cNvPicPr>
+          <p:nvPr/>
+        </p:nvPicPr>
+        <p:blipFill>
+          <a:blip r:embed="rId6"/>
+          <a:stretch>
+            <a:fillRect/>
+          </a:stretch>
+        </p:blipFill>
+        <p:spPr>
+          <a:xfrm>
+            <a:off x="1341530" y="2862508"/>
+            <a:ext cx="3288007" cy="1430588"/>
+          </a:xfrm>
+          <a:prstGeom prst="rect">
+            <a:avLst/>
+          </a:prstGeom>
+          <a:ln>
+            <a:solidFill>
+              <a:srgbClr val="C00000"/>
+            </a:solidFill>
+          </a:ln>
+        </p:spPr>
+      </p:pic>
+      <p:cxnSp>
+        <p:nvCxnSpPr>
+          <p:cNvPr id="21" name="Straight Arrow Connector 20">
+            <a:extLst>
+              <a:ext uri="{FF2B5EF4-FFF2-40B4-BE49-F238E27FC236}">
+                <a16:creationId xmlns:a16="http://schemas.microsoft.com/office/drawing/2014/main" id="{8065D128-71EC-4991-8645-6291F9EDFC68}"/>
+              </a:ext>
+            </a:extLst>
+          </p:cNvPr>
+          <p:cNvCxnSpPr>
+            <a:stCxn id="11" idx="3"/>
+            <a:endCxn id="19" idx="1"/>
+          </p:cNvCxnSpPr>
+          <p:nvPr/>
+        </p:nvCxnSpPr>
+        <p:spPr>
+          <a:xfrm>
+            <a:off x="1162869" y="3558036"/>
+            <a:ext cx="178661" cy="19766"/>
+          </a:xfrm>
+          <a:prstGeom prst="straightConnector1">
+            <a:avLst/>
+          </a:prstGeom>
+          <a:ln>
+            <a:solidFill>
+              <a:srgbClr val="C00000"/>
+            </a:solidFill>
+            <a:tailEnd type="triangle"/>
+          </a:ln>
+        </p:spPr>
+        <p:style>
+          <a:lnRef idx="1">
+            <a:schemeClr val="accent1"/>
+          </a:lnRef>
+          <a:fillRef idx="0">
+            <a:schemeClr val="accent1"/>
+          </a:fillRef>
+          <a:effectRef idx="0">
+            <a:schemeClr val="accent1"/>
+          </a:effectRef>
+          <a:fontRef idx="minor">
+            <a:schemeClr val="tx1"/>
+          </a:fontRef>
+        </p:style>
+      </p:cxnSp>
+      <p:sp>
+        <p:nvSpPr>
+          <p:cNvPr id="24" name="Rectangle 23">
+            <a:extLst>
+              <a:ext uri="{FF2B5EF4-FFF2-40B4-BE49-F238E27FC236}">
+                <a16:creationId xmlns:a16="http://schemas.microsoft.com/office/drawing/2014/main" id="{EBEB8884-4018-4356-85E3-9474E2C63B4D}"/>
+              </a:ext>
+            </a:extLst>
+          </p:cNvPr>
+          <p:cNvSpPr/>
+          <p:nvPr/>
+        </p:nvSpPr>
+        <p:spPr>
+          <a:xfrm>
+            <a:off x="4072889" y="1855266"/>
+            <a:ext cx="998222" cy="392038"/>
+          </a:xfrm>
+          <a:prstGeom prst="rect">
+            <a:avLst/>
+          </a:prstGeom>
+          <a:noFill/>
+          <a:ln>
+            <a:solidFill>
+              <a:srgbClr val="C00000"/>
+            </a:solidFill>
+          </a:ln>
+        </p:spPr>
+        <p:style>
+          <a:lnRef idx="2">
+            <a:schemeClr val="accent1">
+              <a:shade val="50000"/>
+            </a:schemeClr>
+          </a:lnRef>
+          <a:fillRef idx="1">
+            <a:schemeClr val="accent1"/>
+          </a:fillRef>
+          <a:effectRef idx="0">
+            <a:schemeClr val="accent1"/>
+          </a:effectRef>
+          <a:fontRef idx="minor">
+            <a:schemeClr val="lt1"/>
+          </a:fontRef>
+        </p:style>
+        <p:txBody>
+          <a:bodyPr rtlCol="0" anchor="ctr"/>
+          <a:lstStyle/>
+          <a:p>
+            <a:pPr algn="ctr"/>
+            <a:endParaRPr lang="en-US"/>
+          </a:p>
+        </p:txBody>
+      </p:sp>
+      <p:cxnSp>
+        <p:nvCxnSpPr>
+          <p:cNvPr id="25" name="Straight Arrow Connector 24">
+            <a:extLst>
+              <a:ext uri="{FF2B5EF4-FFF2-40B4-BE49-F238E27FC236}">
+                <a16:creationId xmlns:a16="http://schemas.microsoft.com/office/drawing/2014/main" id="{7131BF0C-DC67-4B0A-A59A-84F3FD61FC48}"/>
+              </a:ext>
+            </a:extLst>
+          </p:cNvPr>
+          <p:cNvCxnSpPr>
+            <a:cxnSpLocks/>
+            <a:stCxn id="24" idx="3"/>
+            <a:endCxn id="17" idx="0"/>
+          </p:cNvCxnSpPr>
+          <p:nvPr/>
+        </p:nvCxnSpPr>
+        <p:spPr>
+          <a:xfrm>
+            <a:off x="5071111" y="2051285"/>
+            <a:ext cx="339146" cy="1453495"/>
+          </a:xfrm>
+          <a:prstGeom prst="straightConnector1">
+            <a:avLst/>
+          </a:prstGeom>
+          <a:ln>
+            <a:solidFill>
+              <a:srgbClr val="C00000"/>
+            </a:solidFill>
+            <a:tailEnd type="triangle"/>
+          </a:ln>
+        </p:spPr>
+        <p:style>
+          <a:lnRef idx="1">
+            <a:schemeClr val="accent1"/>
+          </a:lnRef>
+          <a:fillRef idx="0">
+            <a:schemeClr val="accent1"/>
+          </a:fillRef>
+          <a:effectRef idx="0">
+            <a:schemeClr val="accent1"/>
+          </a:effectRef>
+          <a:fontRef idx="minor">
+            <a:schemeClr val="tx1"/>
+          </a:fontRef>
+        </p:style>
+      </p:cxnSp>
+    </p:spTree>
+    <p:extLst>
+      <p:ext uri="{BB962C8B-B14F-4D97-AF65-F5344CB8AC3E}">
+        <p14:creationId xmlns:p14="http://schemas.microsoft.com/office/powerpoint/2010/main" val="3093346308"/>
+      </p:ext>
+    </p:extLst>
+  </p:cSld>
+  <p:clrMapOvr>
+    <a:masterClrMapping/>
+  </p:clrMapOvr>
+</p:sld>
+</file>
+
+<file path=ppt/slides/slide7.xml><?xml version="1.0" encoding="utf-8"?>
+<p:sld xmlns:a="http://schemas.openxmlformats.org/drawingml/2006/main" xmlns:r="http://schemas.openxmlformats.org/officeDocument/2006/relationships" xmlns:p="http://schemas.openxmlformats.org/presentationml/2006/main">
+  <p:cSld>
+    <p:bg>
+      <p:bgPr>
+        <a:noFill/>
+        <a:effectLst/>
+      </p:bgPr>
+    </p:bg>
+    <p:spTree>
+      <p:nvGrpSpPr>
+        <p:cNvPr id="1" name=""/>
+        <p:cNvGrpSpPr/>
+        <p:nvPr/>
+      </p:nvGrpSpPr>
+      <p:grpSpPr>
+        <a:xfrm>
+          <a:off x="0" y="0"/>
+          <a:ext cx="0" cy="0"/>
+          <a:chOff x="0" y="0"/>
+          <a:chExt cx="0" cy="0"/>
+        </a:xfrm>
+      </p:grpSpPr>
+      <p:sp>
+        <p:nvSpPr>
+          <p:cNvPr id="2" name="標題 1"/>
+          <p:cNvSpPr>
+            <a:spLocks noGrp="1"/>
+          </p:cNvSpPr>
+          <p:nvPr>
+            <p:ph type="ctrTitle"/>
+          </p:nvPr>
+        </p:nvSpPr>
+        <p:spPr>
+          <a:xfrm>
+            <a:off x="0" y="1"/>
+            <a:ext cx="9144000" cy="764704"/>
+          </a:xfrm>
+          <a:gradFill flip="none" rotWithShape="1">
+            <a:gsLst>
+              <a:gs pos="0">
+                <a:srgbClr val="C00000">
+                  <a:shade val="30000"/>
+                  <a:satMod val="115000"/>
+                </a:srgbClr>
+              </a:gs>
+              <a:gs pos="50000">
+                <a:srgbClr val="C00000">
+                  <a:shade val="67500"/>
+                  <a:satMod val="115000"/>
+                </a:srgbClr>
+              </a:gs>
+              <a:gs pos="100000">
+                <a:srgbClr val="C00000">
+                  <a:shade val="100000"/>
+                  <a:satMod val="115000"/>
+                </a:srgbClr>
+              </a:gs>
+            </a:gsLst>
+            <a:path path="circle">
+              <a:fillToRect t="100000" r="100000"/>
+            </a:path>
+            <a:tileRect l="-100000" b="-100000"/>
+          </a:gradFill>
+        </p:spPr>
+        <p:txBody>
+          <a:bodyPr>
+            <a:normAutofit/>
+          </a:bodyPr>
+          <a:lstStyle/>
+          <a:p>
+            <a:pPr algn="l"/>
+            <a:r>
+              <a:rPr lang="en-US" altLang="zh-TW" b="1" dirty="0">
+                <a:solidFill>
+                  <a:srgbClr val="FFFF00"/>
+                </a:solidFill>
+              </a:rPr>
+              <a:t>5.1 Setup </a:t>
+            </a:r>
+            <a:r>
+              <a:rPr lang="en-US" altLang="zh-TW" b="1" dirty="0" err="1">
+                <a:solidFill>
+                  <a:srgbClr val="FFFF00"/>
+                </a:solidFill>
+              </a:rPr>
+              <a:t>Minikube</a:t>
+            </a:r>
+            <a:endParaRPr lang="zh-TW" altLang="en-US" b="1" dirty="0">
+              <a:solidFill>
+                <a:srgbClr val="FFFF00"/>
+              </a:solidFill>
+            </a:endParaRPr>
+          </a:p>
+        </p:txBody>
+      </p:sp>
+      <p:sp>
+        <p:nvSpPr>
+          <p:cNvPr id="3" name="副標題 2"/>
+          <p:cNvSpPr>
+            <a:spLocks noGrp="1"/>
+          </p:cNvSpPr>
+          <p:nvPr>
+            <p:ph type="subTitle" idx="1"/>
+          </p:nvPr>
+        </p:nvSpPr>
+        <p:spPr>
+          <a:xfrm>
+            <a:off x="467544" y="1268760"/>
+            <a:ext cx="8352928" cy="1056042"/>
+          </a:xfrm>
+          <a:ln>
+            <a:solidFill>
+              <a:srgbClr val="C00000"/>
+            </a:solidFill>
+          </a:ln>
+        </p:spPr>
+        <p:txBody>
+          <a:bodyPr>
+            <a:noAutofit/>
+          </a:bodyPr>
+          <a:lstStyle/>
+          <a:p>
+            <a:pPr marL="342900" indent="-342900" algn="l">
+              <a:buClr>
+                <a:srgbClr val="0070C0"/>
+              </a:buClr>
+              <a:buSzPct val="80000"/>
+              <a:buFont typeface="Wingdings" pitchFamily="2" charset="2"/>
+              <a:buChar char="u"/>
+            </a:pPr>
+            <a:r>
+              <a:rPr lang="en-US" sz="1800" dirty="0">
+                <a:solidFill>
+                  <a:schemeClr val="tx1"/>
+                </a:solidFill>
+                <a:latin typeface="+mj-lt"/>
+                <a:hlinkClick r:id="rId2">
+                  <a:extLst>
+                    <a:ext uri="{A12FA001-AC4F-418D-AE19-62706E023703}">
+                      <ahyp:hlinkClr xmlns:ahyp="http://schemas.microsoft.com/office/drawing/2018/hyperlinkcolor" val="tx"/>
+                    </a:ext>
+                  </a:extLst>
+                </a:hlinkClick>
+              </a:rPr>
+              <a:t>https://kubernetes.io/docs/tasks/tools/install-minikube/</a:t>
+            </a:r>
+            <a:endParaRPr lang="en-US" altLang="zh-TW" sz="1800" dirty="0">
+              <a:solidFill>
+                <a:schemeClr val="tx1"/>
+              </a:solidFill>
+              <a:latin typeface="+mj-lt"/>
+            </a:endParaRPr>
+          </a:p>
+          <a:p>
+            <a:pPr marL="342900" indent="-342900" algn="l">
+              <a:buClr>
+                <a:srgbClr val="0070C0"/>
+              </a:buClr>
+              <a:buSzPct val="80000"/>
+              <a:buFont typeface="Wingdings" pitchFamily="2" charset="2"/>
+              <a:buChar char="u"/>
+            </a:pPr>
+            <a:r>
+              <a:rPr lang="en-US" altLang="zh-TW" sz="1800" dirty="0">
+                <a:solidFill>
+                  <a:schemeClr val="tx1"/>
+                </a:solidFill>
+                <a:latin typeface="+mj-lt"/>
+              </a:rPr>
+              <a:t>Confirmed the installation</a:t>
+            </a:r>
+          </a:p>
+          <a:p>
+            <a:pPr marL="342900" indent="-342900" algn="l">
+              <a:buClr>
+                <a:srgbClr val="0070C0"/>
+              </a:buClr>
+              <a:buSzPct val="80000"/>
+              <a:buFont typeface="Wingdings" pitchFamily="2" charset="2"/>
+              <a:buChar char="u"/>
+            </a:pPr>
+            <a:r>
+              <a:rPr lang="en-US" altLang="zh-TW" sz="1800" dirty="0">
+                <a:solidFill>
+                  <a:schemeClr val="tx1"/>
+                </a:solidFill>
+                <a:latin typeface="+mj-lt"/>
+              </a:rPr>
+              <a:t>&gt; </a:t>
+            </a:r>
+            <a:r>
+              <a:rPr lang="en-US" altLang="zh-TW" sz="1800" dirty="0" err="1">
+                <a:solidFill>
+                  <a:schemeClr val="tx1"/>
+                </a:solidFill>
+                <a:latin typeface="+mj-lt"/>
+              </a:rPr>
+              <a:t>minikube</a:t>
+            </a:r>
+            <a:r>
+              <a:rPr lang="en-US" altLang="zh-TW" sz="1800" dirty="0">
+                <a:solidFill>
+                  <a:schemeClr val="tx1"/>
+                </a:solidFill>
+                <a:latin typeface="+mj-lt"/>
+              </a:rPr>
+              <a:t> status</a:t>
+            </a:r>
+          </a:p>
+        </p:txBody>
+      </p:sp>
+      <p:sp>
+        <p:nvSpPr>
+          <p:cNvPr id="4" name="標題 1"/>
+          <p:cNvSpPr txBox="1">
+            <a:spLocks/>
+          </p:cNvSpPr>
+          <p:nvPr/>
+        </p:nvSpPr>
+        <p:spPr>
+          <a:xfrm>
+            <a:off x="0" y="764704"/>
+            <a:ext cx="9144000" cy="360040"/>
+          </a:xfrm>
+          <a:prstGeom prst="rect">
+            <a:avLst/>
+          </a:prstGeom>
+          <a:gradFill flip="none" rotWithShape="1">
+            <a:gsLst>
+              <a:gs pos="0">
+                <a:srgbClr val="00B0F0">
+                  <a:shade val="30000"/>
+                  <a:satMod val="115000"/>
+                </a:srgbClr>
+              </a:gs>
+              <a:gs pos="50000">
+                <a:srgbClr val="00B0F0">
+                  <a:shade val="67500"/>
+                  <a:satMod val="115000"/>
+                </a:srgbClr>
+              </a:gs>
+              <a:gs pos="100000">
+                <a:srgbClr val="00B0F0">
+                  <a:shade val="100000"/>
+                  <a:satMod val="115000"/>
+                </a:srgbClr>
+              </a:gs>
+            </a:gsLst>
+            <a:path path="circle">
+              <a:fillToRect t="100000" r="100000"/>
+            </a:path>
+            <a:tileRect l="-100000" b="-100000"/>
+          </a:gradFill>
+        </p:spPr>
+        <p:txBody>
+          <a:bodyPr vert="horz" lIns="91440" tIns="45720" rIns="91440" bIns="45720" rtlCol="0" anchor="ctr">
+            <a:normAutofit/>
+          </a:bodyPr>
+          <a:lstStyle/>
+          <a:p>
+            <a:pPr lvl="0">
+              <a:spcBef>
+                <a:spcPct val="0"/>
+              </a:spcBef>
+            </a:pPr>
+            <a:r>
+              <a:rPr lang="en-US" sz="1600" dirty="0">
+                <a:hlinkClick r:id="rId3"/>
+              </a:rPr>
+              <a:t>https://kubernetes.io/docs/tasks/tools/install-minikube/</a:t>
+            </a:r>
+            <a:endParaRPr kumimoji="0" lang="zh-TW" altLang="en-US" sz="1600" b="0" i="0" u="none" strike="noStrike" kern="1200" cap="none" spc="0" normalizeH="0" baseline="0" noProof="0" dirty="0">
+              <a:ln>
+                <a:noFill/>
+              </a:ln>
+              <a:solidFill>
+                <a:schemeClr val="tx1"/>
+              </a:solidFill>
+              <a:effectLst/>
+              <a:uLnTx/>
+              <a:uFillTx/>
+              <a:latin typeface="+mj-lt"/>
+              <a:ea typeface="+mj-ea"/>
+              <a:cs typeface="+mj-cs"/>
+            </a:endParaRPr>
+          </a:p>
+        </p:txBody>
+      </p:sp>
+      <p:sp>
+        <p:nvSpPr>
+          <p:cNvPr id="5" name="日期版面配置區 4"/>
+          <p:cNvSpPr>
+            <a:spLocks noGrp="1"/>
+          </p:cNvSpPr>
+          <p:nvPr>
+            <p:ph type="dt" sz="half" idx="10"/>
+          </p:nvPr>
+        </p:nvSpPr>
+        <p:spPr/>
+        <p:txBody>
+          <a:bodyPr/>
+          <a:lstStyle/>
+          <a:p>
+            <a:fld id="{A4F910E6-8D00-4BAF-8C48-9688E0B449D3}" type="datetime1">
+              <a:rPr lang="zh-TW" altLang="en-US" smtClean="0"/>
+              <a:pPr/>
+              <a:t>2020/4/25</a:t>
+            </a:fld>
+            <a:endParaRPr lang="zh-TW" altLang="en-US"/>
+          </a:p>
+        </p:txBody>
+      </p:sp>
+      <p:sp>
+        <p:nvSpPr>
+          <p:cNvPr id="6" name="投影片編號版面配置區 5"/>
+          <p:cNvSpPr>
+            <a:spLocks noGrp="1"/>
+          </p:cNvSpPr>
+          <p:nvPr>
+            <p:ph type="sldNum" sz="quarter" idx="12"/>
+          </p:nvPr>
+        </p:nvSpPr>
+        <p:spPr/>
+        <p:txBody>
+          <a:bodyPr/>
+          <a:lstStyle/>
+          <a:p>
+            <a:fld id="{E4D7E63D-91F2-4366-A2C4-1B00C9E2590E}" type="slidenum">
+              <a:rPr lang="zh-TW" altLang="en-US" smtClean="0"/>
+              <a:pPr/>
+              <a:t>7</a:t>
             </a:fld>
             <a:endParaRPr lang="zh-TW" altLang="en-US"/>
           </a:p>
@@ -5302,9 +7041,15 @@
 </p:sld>
 </file>
 
-<file path=ppt/slides/slide6.xml><?xml version="1.0" encoding="utf-8"?>
+<file path=ppt/slides/slide8.xml><?xml version="1.0" encoding="utf-8"?>
 <p:sld xmlns:a="http://schemas.openxmlformats.org/drawingml/2006/main" xmlns:r="http://schemas.openxmlformats.org/officeDocument/2006/relationships" xmlns:p="http://schemas.openxmlformats.org/presentationml/2006/main">
   <p:cSld>
+    <p:bg>
+      <p:bgPr>
+        <a:noFill/>
+        <a:effectLst/>
+      </p:bgPr>
+    </p:bg>
     <p:spTree>
       <p:nvGrpSpPr>
         <p:cNvPr id="1" name=""/>
@@ -5331,9 +7076,199 @@
         </p:nvSpPr>
         <p:spPr>
           <a:xfrm>
-            <a:off x="0" y="2130425"/>
-            <a:ext cx="9144000" cy="1470025"/>
+            <a:off x="0" y="1"/>
+            <a:ext cx="9144000" cy="764704"/>
           </a:xfrm>
+          <a:gradFill flip="none" rotWithShape="1">
+            <a:gsLst>
+              <a:gs pos="0">
+                <a:srgbClr val="C00000">
+                  <a:shade val="30000"/>
+                  <a:satMod val="115000"/>
+                </a:srgbClr>
+              </a:gs>
+              <a:gs pos="50000">
+                <a:srgbClr val="C00000">
+                  <a:shade val="67500"/>
+                  <a:satMod val="115000"/>
+                </a:srgbClr>
+              </a:gs>
+              <a:gs pos="100000">
+                <a:srgbClr val="C00000">
+                  <a:shade val="100000"/>
+                  <a:satMod val="115000"/>
+                </a:srgbClr>
+              </a:gs>
+            </a:gsLst>
+            <a:path path="circle">
+              <a:fillToRect t="100000" r="100000"/>
+            </a:path>
+            <a:tileRect l="-100000" b="-100000"/>
+          </a:gradFill>
+        </p:spPr>
+        <p:txBody>
+          <a:bodyPr>
+            <a:normAutofit/>
+          </a:bodyPr>
+          <a:lstStyle/>
+          <a:p>
+            <a:pPr algn="l"/>
+            <a:r>
+              <a:rPr lang="en-US" altLang="zh-TW" b="1" dirty="0">
+                <a:solidFill>
+                  <a:srgbClr val="FFFF00"/>
+                </a:solidFill>
+              </a:rPr>
+              <a:t>5.1 Setup </a:t>
+            </a:r>
+            <a:r>
+              <a:rPr lang="en-US" altLang="zh-TW" b="1" dirty="0" err="1">
+                <a:solidFill>
+                  <a:srgbClr val="FFFF00"/>
+                </a:solidFill>
+              </a:rPr>
+              <a:t>Minikube</a:t>
+            </a:r>
+            <a:endParaRPr lang="zh-TW" altLang="en-US" b="1" dirty="0">
+              <a:solidFill>
+                <a:srgbClr val="FFFF00"/>
+              </a:solidFill>
+            </a:endParaRPr>
+          </a:p>
+        </p:txBody>
+      </p:sp>
+      <p:sp>
+        <p:nvSpPr>
+          <p:cNvPr id="3" name="副標題 2"/>
+          <p:cNvSpPr>
+            <a:spLocks noGrp="1"/>
+          </p:cNvSpPr>
+          <p:nvPr>
+            <p:ph type="subTitle" idx="1"/>
+          </p:nvPr>
+        </p:nvSpPr>
+        <p:spPr>
+          <a:xfrm>
+            <a:off x="467544" y="1268760"/>
+            <a:ext cx="8352928" cy="1080120"/>
+          </a:xfrm>
+          <a:ln>
+            <a:solidFill>
+              <a:srgbClr val="C00000"/>
+            </a:solidFill>
+          </a:ln>
+        </p:spPr>
+        <p:txBody>
+          <a:bodyPr>
+            <a:noAutofit/>
+          </a:bodyPr>
+          <a:lstStyle/>
+          <a:p>
+            <a:pPr marL="342900" indent="-342900" algn="l">
+              <a:buClr>
+                <a:srgbClr val="0070C0"/>
+              </a:buClr>
+              <a:buSzPct val="80000"/>
+              <a:buFont typeface="Wingdings" pitchFamily="2" charset="2"/>
+              <a:buChar char="u"/>
+            </a:pPr>
+            <a:r>
+              <a:rPr lang="en-US" sz="1800" dirty="0">
+                <a:hlinkClick r:id="rId2"/>
+              </a:rPr>
+              <a:t>https://www.youtube.com/watch?v=ppgrKs1FNJE</a:t>
+            </a:r>
+            <a:endParaRPr lang="en-US" sz="1800" dirty="0"/>
+          </a:p>
+          <a:p>
+            <a:pPr marL="342900" indent="-342900" algn="l">
+              <a:buClr>
+                <a:srgbClr val="0070C0"/>
+              </a:buClr>
+              <a:buSzPct val="80000"/>
+              <a:buFont typeface="Wingdings" pitchFamily="2" charset="2"/>
+              <a:buChar char="u"/>
+            </a:pPr>
+            <a:r>
+              <a:rPr lang="en-US" sz="1800" dirty="0">
+                <a:solidFill>
+                  <a:schemeClr val="tx1"/>
+                </a:solidFill>
+              </a:rPr>
+              <a:t>We can access the </a:t>
+            </a:r>
+            <a:r>
+              <a:rPr lang="en-US" sz="1800" dirty="0" err="1">
+                <a:solidFill>
+                  <a:schemeClr val="tx1"/>
+                </a:solidFill>
+              </a:rPr>
+              <a:t>minikube</a:t>
+            </a:r>
+            <a:r>
+              <a:rPr lang="en-US" sz="1800" dirty="0">
+                <a:solidFill>
+                  <a:schemeClr val="tx1"/>
+                </a:solidFill>
+              </a:rPr>
+              <a:t> Graphical User Interface</a:t>
+            </a:r>
+          </a:p>
+          <a:p>
+            <a:pPr marL="342900" indent="-342900" algn="l">
+              <a:buClr>
+                <a:srgbClr val="0070C0"/>
+              </a:buClr>
+              <a:buSzPct val="80000"/>
+              <a:buFont typeface="Wingdings" pitchFamily="2" charset="2"/>
+              <a:buChar char="u"/>
+            </a:pPr>
+            <a:r>
+              <a:rPr lang="en-US" altLang="zh-TW" sz="1800" dirty="0">
+                <a:solidFill>
+                  <a:schemeClr val="tx1"/>
+                </a:solidFill>
+                <a:latin typeface="+mj-lt"/>
+              </a:rPr>
+              <a:t>&gt; </a:t>
+            </a:r>
+            <a:r>
+              <a:rPr lang="en-US" altLang="zh-TW" sz="1800" dirty="0" err="1">
+                <a:solidFill>
+                  <a:schemeClr val="tx1"/>
+                </a:solidFill>
+                <a:latin typeface="+mj-lt"/>
+              </a:rPr>
+              <a:t>minikube</a:t>
+            </a:r>
+            <a:r>
+              <a:rPr lang="en-US" altLang="zh-TW" sz="1800" dirty="0">
+                <a:solidFill>
+                  <a:schemeClr val="tx1"/>
+                </a:solidFill>
+                <a:latin typeface="+mj-lt"/>
+              </a:rPr>
+              <a:t> dashboard</a:t>
+            </a:r>
+          </a:p>
+        </p:txBody>
+      </p:sp>
+      <p:sp>
+        <p:nvSpPr>
+          <p:cNvPr id="4" name="標題 1"/>
+          <p:cNvSpPr txBox="1">
+            <a:spLocks/>
+          </p:cNvSpPr>
+          <p:nvPr/>
+        </p:nvSpPr>
+        <p:spPr>
+          <a:xfrm>
+            <a:off x="0" y="764704"/>
+            <a:ext cx="9144000" cy="360040"/>
+          </a:xfrm>
+          <a:prstGeom prst="rect">
+            <a:avLst/>
+          </a:prstGeom>
           <a:gradFill flip="none" rotWithShape="1">
             <a:gsLst>
               <a:gs pos="0">
@@ -5362,20 +7297,365 @@
           </a:gradFill>
         </p:spPr>
         <p:txBody>
+          <a:bodyPr vert="horz" lIns="91440" tIns="45720" rIns="91440" bIns="45720" rtlCol="0" anchor="ctr">
+            <a:normAutofit/>
+          </a:bodyPr>
+          <a:lstStyle/>
+          <a:p>
+            <a:pPr lvl="0">
+              <a:spcBef>
+                <a:spcPct val="0"/>
+              </a:spcBef>
+            </a:pPr>
+            <a:r>
+              <a:rPr lang="en-US" sz="1600" dirty="0">
+                <a:hlinkClick r:id="rId3"/>
+              </a:rPr>
+              <a:t>https://kubernetes.io/docs/tasks/tools/install-minikube/</a:t>
+            </a:r>
+            <a:endParaRPr kumimoji="0" lang="zh-TW" altLang="en-US" sz="1600" b="0" i="0" u="none" strike="noStrike" kern="1200" cap="none" spc="0" normalizeH="0" baseline="0" noProof="0" dirty="0">
+              <a:ln>
+                <a:noFill/>
+              </a:ln>
+              <a:solidFill>
+                <a:schemeClr val="tx1"/>
+              </a:solidFill>
+              <a:effectLst/>
+              <a:uLnTx/>
+              <a:uFillTx/>
+              <a:latin typeface="+mj-lt"/>
+              <a:ea typeface="+mj-ea"/>
+              <a:cs typeface="+mj-cs"/>
+            </a:endParaRPr>
+          </a:p>
+        </p:txBody>
+      </p:sp>
+      <p:sp>
+        <p:nvSpPr>
+          <p:cNvPr id="5" name="日期版面配置區 4"/>
+          <p:cNvSpPr>
+            <a:spLocks noGrp="1"/>
+          </p:cNvSpPr>
+          <p:nvPr>
+            <p:ph type="dt" sz="half" idx="10"/>
+          </p:nvPr>
+        </p:nvSpPr>
+        <p:spPr/>
+        <p:txBody>
+          <a:bodyPr/>
+          <a:lstStyle/>
+          <a:p>
+            <a:fld id="{A4F910E6-8D00-4BAF-8C48-9688E0B449D3}" type="datetime1">
+              <a:rPr lang="zh-TW" altLang="en-US" smtClean="0"/>
+              <a:pPr/>
+              <a:t>2020/4/25</a:t>
+            </a:fld>
+            <a:endParaRPr lang="zh-TW" altLang="en-US"/>
+          </a:p>
+        </p:txBody>
+      </p:sp>
+      <p:sp>
+        <p:nvSpPr>
+          <p:cNvPr id="6" name="投影片編號版面配置區 5"/>
+          <p:cNvSpPr>
+            <a:spLocks noGrp="1"/>
+          </p:cNvSpPr>
+          <p:nvPr>
+            <p:ph type="sldNum" sz="quarter" idx="12"/>
+          </p:nvPr>
+        </p:nvSpPr>
+        <p:spPr/>
+        <p:txBody>
+          <a:bodyPr/>
+          <a:lstStyle/>
+          <a:p>
+            <a:fld id="{E4D7E63D-91F2-4366-A2C4-1B00C9E2590E}" type="slidenum">
+              <a:rPr lang="zh-TW" altLang="en-US" smtClean="0"/>
+              <a:pPr/>
+              <a:t>8</a:t>
+            </a:fld>
+            <a:endParaRPr lang="zh-TW" altLang="en-US"/>
+          </a:p>
+        </p:txBody>
+      </p:sp>
+      <p:sp>
+        <p:nvSpPr>
+          <p:cNvPr id="8" name="Rectangle 2">
+            <a:extLst>
+              <a:ext uri="{FF2B5EF4-FFF2-40B4-BE49-F238E27FC236}">
+                <a16:creationId xmlns:a16="http://schemas.microsoft.com/office/drawing/2014/main" id="{CE04BFC2-17A5-4D88-AB75-09117EFFD5AB}"/>
+              </a:ext>
+            </a:extLst>
+          </p:cNvPr>
+          <p:cNvSpPr>
+            <a:spLocks noChangeArrowheads="1"/>
+          </p:cNvSpPr>
+          <p:nvPr/>
+        </p:nvSpPr>
+        <p:spPr bwMode="auto">
+          <a:xfrm>
+            <a:off x="0" y="-46166"/>
+            <a:ext cx="9144000" cy="92333"/>
+          </a:xfrm>
+          <a:prstGeom prst="rect">
+            <a:avLst/>
+          </a:prstGeom>
+          <a:noFill/>
+          <a:ln>
+            <a:noFill/>
+          </a:ln>
+          <a:effectLst/>
+          <a:extLst>
+            <a:ext uri="{909E8E84-426E-40DD-AFC4-6F175D3DCCD1}">
+              <a14:hiddenFill xmlns:a14="http://schemas.microsoft.com/office/drawing/2010/main">
+                <a:solidFill>
+                  <a:schemeClr val="accent1"/>
+                </a:solidFill>
+              </a14:hiddenFill>
+            </a:ext>
+            <a:ext uri="{91240B29-F687-4F45-9708-019B960494DF}">
+              <a14:hiddenLine xmlns:a14="http://schemas.microsoft.com/office/drawing/2010/main" w="9525">
+                <a:solidFill>
+                  <a:schemeClr val="tx1"/>
+                </a:solidFill>
+                <a:miter lim="800000"/>
+                <a:headEnd/>
+                <a:tailEnd/>
+              </a14:hiddenLine>
+            </a:ext>
+            <a:ext uri="{AF507438-7753-43E0-B8FC-AC1667EBCBE1}">
+              <a14:hiddenEffects xmlns:a14="http://schemas.microsoft.com/office/drawing/2010/main">
+                <a:effectLst>
+                  <a:outerShdw dist="35921" dir="2700000" algn="ctr" rotWithShape="0">
+                    <a:schemeClr val="bg2"/>
+                  </a:outerShdw>
+                </a:effectLst>
+              </a14:hiddenEffects>
+            </a:ext>
+          </a:extLst>
+        </p:spPr>
+        <p:txBody>
+          <a:bodyPr vert="horz" wrap="square" lIns="0" tIns="0" rIns="0" bIns="0" numCol="1" anchor="ctr" anchorCtr="0" compatLnSpc="1">
+            <a:prstTxWarp prst="textNoShape">
+              <a:avLst/>
+            </a:prstTxWarp>
+            <a:spAutoFit/>
+          </a:bodyPr>
+          <a:lstStyle/>
+          <a:p>
+            <a:pPr marL="0" marR="0" lvl="0" indent="0" algn="l" defTabSz="914400" rtl="0" eaLnBrk="0" fontAlgn="base" latinLnBrk="0" hangingPunct="0">
+              <a:lnSpc>
+                <a:spcPct val="100000"/>
+              </a:lnSpc>
+              <a:spcBef>
+                <a:spcPct val="0"/>
+              </a:spcBef>
+              <a:spcAft>
+                <a:spcPct val="0"/>
+              </a:spcAft>
+              <a:buClrTx/>
+              <a:buSzTx/>
+              <a:buFontTx/>
+              <a:buNone/>
+              <a:tabLst/>
+            </a:pPr>
+            <a:r>
+              <a:rPr kumimoji="0" lang="en-US" altLang="en-US" sz="600" b="0" i="0" u="none" strike="noStrike" cap="none" normalizeH="0" baseline="0" dirty="0">
+                <a:ln>
+                  <a:noFill/>
+                </a:ln>
+                <a:solidFill>
+                  <a:schemeClr val="tx1"/>
+                </a:solidFill>
+                <a:effectLst/>
+              </a:rPr>
+              <a:t> </a:t>
+            </a:r>
+            <a:endParaRPr kumimoji="0" lang="en-US" altLang="en-US" sz="1800" b="0" i="0" u="none" strike="noStrike" cap="none" normalizeH="0" baseline="0" dirty="0">
+              <a:ln>
+                <a:noFill/>
+              </a:ln>
+              <a:solidFill>
+                <a:schemeClr val="tx1"/>
+              </a:solidFill>
+              <a:effectLst/>
+              <a:latin typeface="Arial" panose="020B0604020202020204" pitchFamily="34" charset="0"/>
+            </a:endParaRPr>
+          </a:p>
+        </p:txBody>
+      </p:sp>
+      <p:pic>
+        <p:nvPicPr>
+          <p:cNvPr id="7" name="Picture 6">
+            <a:extLst>
+              <a:ext uri="{FF2B5EF4-FFF2-40B4-BE49-F238E27FC236}">
+                <a16:creationId xmlns:a16="http://schemas.microsoft.com/office/drawing/2014/main" id="{B0BCF1B3-8826-408B-8353-2A55E4078462}"/>
+              </a:ext>
+            </a:extLst>
+          </p:cNvPr>
+          <p:cNvPicPr>
+            <a:picLocks noChangeAspect="1"/>
+          </p:cNvPicPr>
+          <p:nvPr/>
+        </p:nvPicPr>
+        <p:blipFill>
+          <a:blip r:embed="rId4"/>
+          <a:stretch>
+            <a:fillRect/>
+          </a:stretch>
+        </p:blipFill>
+        <p:spPr>
+          <a:xfrm>
+            <a:off x="755576" y="2492896"/>
+            <a:ext cx="7452320" cy="830623"/>
+          </a:xfrm>
+          <a:prstGeom prst="rect">
+            <a:avLst/>
+          </a:prstGeom>
+          <a:ln>
+            <a:solidFill>
+              <a:srgbClr val="C00000"/>
+            </a:solidFill>
+          </a:ln>
+        </p:spPr>
+      </p:pic>
+      <p:pic>
+        <p:nvPicPr>
+          <p:cNvPr id="9" name="Picture 8">
+            <a:extLst>
+              <a:ext uri="{FF2B5EF4-FFF2-40B4-BE49-F238E27FC236}">
+                <a16:creationId xmlns:a16="http://schemas.microsoft.com/office/drawing/2014/main" id="{EAE2EE2B-282B-4576-B9B9-E319338E9E05}"/>
+              </a:ext>
+            </a:extLst>
+          </p:cNvPr>
+          <p:cNvPicPr>
+            <a:picLocks noChangeAspect="1"/>
+          </p:cNvPicPr>
+          <p:nvPr/>
+        </p:nvPicPr>
+        <p:blipFill>
+          <a:blip r:embed="rId5"/>
+          <a:stretch>
+            <a:fillRect/>
+          </a:stretch>
+        </p:blipFill>
+        <p:spPr>
+          <a:xfrm>
+            <a:off x="1691680" y="3429000"/>
+            <a:ext cx="5070648" cy="2941536"/>
+          </a:xfrm>
+          <a:prstGeom prst="rect">
+            <a:avLst/>
+          </a:prstGeom>
+          <a:ln>
+            <a:solidFill>
+              <a:srgbClr val="C00000"/>
+            </a:solidFill>
+          </a:ln>
+        </p:spPr>
+      </p:pic>
+    </p:spTree>
+    <p:extLst>
+      <p:ext uri="{BB962C8B-B14F-4D97-AF65-F5344CB8AC3E}">
+        <p14:creationId xmlns:p14="http://schemas.microsoft.com/office/powerpoint/2010/main" val="2529976959"/>
+      </p:ext>
+    </p:extLst>
+  </p:cSld>
+  <p:clrMapOvr>
+    <a:masterClrMapping/>
+  </p:clrMapOvr>
+</p:sld>
+</file>
+
+<file path=ppt/slides/slide9.xml><?xml version="1.0" encoding="utf-8"?>
+<p:sld xmlns:a="http://schemas.openxmlformats.org/drawingml/2006/main" xmlns:r="http://schemas.openxmlformats.org/officeDocument/2006/relationships" xmlns:p="http://schemas.openxmlformats.org/presentationml/2006/main">
+  <p:cSld>
+    <p:bg>
+      <p:bgPr>
+        <a:noFill/>
+        <a:effectLst/>
+      </p:bgPr>
+    </p:bg>
+    <p:spTree>
+      <p:nvGrpSpPr>
+        <p:cNvPr id="1" name=""/>
+        <p:cNvGrpSpPr/>
+        <p:nvPr/>
+      </p:nvGrpSpPr>
+      <p:grpSpPr>
+        <a:xfrm>
+          <a:off x="0" y="0"/>
+          <a:ext cx="0" cy="0"/>
+          <a:chOff x="0" y="0"/>
+          <a:chExt cx="0" cy="0"/>
+        </a:xfrm>
+      </p:grpSpPr>
+      <p:sp>
+        <p:nvSpPr>
+          <p:cNvPr id="2" name="標題 1"/>
+          <p:cNvSpPr>
+            <a:spLocks noGrp="1"/>
+          </p:cNvSpPr>
+          <p:nvPr>
+            <p:ph type="ctrTitle"/>
+          </p:nvPr>
+        </p:nvSpPr>
+        <p:spPr>
+          <a:xfrm>
+            <a:off x="0" y="1"/>
+            <a:ext cx="9144000" cy="764704"/>
+          </a:xfrm>
+          <a:gradFill flip="none" rotWithShape="1">
+            <a:gsLst>
+              <a:gs pos="0">
+                <a:srgbClr val="C00000">
+                  <a:shade val="30000"/>
+                  <a:satMod val="115000"/>
+                </a:srgbClr>
+              </a:gs>
+              <a:gs pos="50000">
+                <a:srgbClr val="C00000">
+                  <a:shade val="67500"/>
+                  <a:satMod val="115000"/>
+                </a:srgbClr>
+              </a:gs>
+              <a:gs pos="100000">
+                <a:srgbClr val="C00000">
+                  <a:shade val="100000"/>
+                  <a:satMod val="115000"/>
+                </a:srgbClr>
+              </a:gs>
+            </a:gsLst>
+            <a:path path="circle">
+              <a:fillToRect t="100000" r="100000"/>
+            </a:path>
+            <a:tileRect l="-100000" b="-100000"/>
+          </a:gradFill>
+        </p:spPr>
+        <p:txBody>
           <a:bodyPr>
             <a:normAutofit/>
           </a:bodyPr>
           <a:lstStyle/>
           <a:p>
-            <a:r>
-              <a:rPr lang="en-US" altLang="zh-TW" sz="6000" b="1" dirty="0">
+            <a:pPr algn="l"/>
+            <a:r>
+              <a:rPr lang="en-US" altLang="zh-TW" b="1" dirty="0">
                 <a:solidFill>
                   <a:srgbClr val="FFFF00"/>
                 </a:solidFill>
               </a:rPr>
-              <a:t>End of Chapter</a:t>
-            </a:r>
-            <a:endParaRPr lang="zh-TW" altLang="en-US" sz="6000" b="1" dirty="0">
+              <a:t>5.1 Setup </a:t>
+            </a:r>
+            <a:r>
+              <a:rPr lang="en-US" altLang="zh-TW" b="1" dirty="0" err="1">
+                <a:solidFill>
+                  <a:srgbClr val="FFFF00"/>
+                </a:solidFill>
+              </a:rPr>
+              <a:t>Minikube</a:t>
+            </a:r>
+            <a:endParaRPr lang="zh-TW" altLang="en-US" b="1" dirty="0">
               <a:solidFill>
                 <a:srgbClr val="FFFF00"/>
               </a:solidFill>
@@ -5385,6 +7665,152 @@
       </p:sp>
       <p:sp>
         <p:nvSpPr>
+          <p:cNvPr id="3" name="副標題 2"/>
+          <p:cNvSpPr>
+            <a:spLocks noGrp="1"/>
+          </p:cNvSpPr>
+          <p:nvPr>
+            <p:ph type="subTitle" idx="1"/>
+          </p:nvPr>
+        </p:nvSpPr>
+        <p:spPr>
+          <a:xfrm>
+            <a:off x="467544" y="1268760"/>
+            <a:ext cx="8352928" cy="720080"/>
+          </a:xfrm>
+          <a:ln>
+            <a:solidFill>
+              <a:srgbClr val="C00000"/>
+            </a:solidFill>
+          </a:ln>
+        </p:spPr>
+        <p:txBody>
+          <a:bodyPr>
+            <a:noAutofit/>
+          </a:bodyPr>
+          <a:lstStyle/>
+          <a:p>
+            <a:pPr marL="342900" indent="-342900" algn="l">
+              <a:buClr>
+                <a:srgbClr val="0070C0"/>
+              </a:buClr>
+              <a:buSzPct val="80000"/>
+              <a:buFont typeface="Wingdings" pitchFamily="2" charset="2"/>
+              <a:buChar char="u"/>
+            </a:pPr>
+            <a:r>
+              <a:rPr lang="en-US" sz="1800" dirty="0">
+                <a:hlinkClick r:id="rId2"/>
+              </a:rPr>
+              <a:t>https://www.youtube.com/watch?v=ppgrKs1FNJE</a:t>
+            </a:r>
+            <a:endParaRPr lang="en-US" sz="1800" dirty="0"/>
+          </a:p>
+          <a:p>
+            <a:pPr marL="342900" indent="-342900" algn="l">
+              <a:buClr>
+                <a:srgbClr val="0070C0"/>
+              </a:buClr>
+              <a:buSzPct val="80000"/>
+              <a:buFont typeface="Wingdings" pitchFamily="2" charset="2"/>
+              <a:buChar char="u"/>
+            </a:pPr>
+            <a:r>
+              <a:rPr lang="en-US" sz="1800" dirty="0">
+                <a:solidFill>
+                  <a:schemeClr val="tx1"/>
+                </a:solidFill>
+              </a:rPr>
+              <a:t>Click the “Node” Option to verify the node status.</a:t>
+            </a:r>
+            <a:endParaRPr lang="en-US" altLang="zh-TW" sz="1800" dirty="0">
+              <a:solidFill>
+                <a:schemeClr val="tx1"/>
+              </a:solidFill>
+              <a:latin typeface="+mj-lt"/>
+            </a:endParaRPr>
+          </a:p>
+        </p:txBody>
+      </p:sp>
+      <p:sp>
+        <p:nvSpPr>
+          <p:cNvPr id="4" name="標題 1"/>
+          <p:cNvSpPr txBox="1">
+            <a:spLocks/>
+          </p:cNvSpPr>
+          <p:nvPr/>
+        </p:nvSpPr>
+        <p:spPr>
+          <a:xfrm>
+            <a:off x="0" y="764704"/>
+            <a:ext cx="9144000" cy="360040"/>
+          </a:xfrm>
+          <a:prstGeom prst="rect">
+            <a:avLst/>
+          </a:prstGeom>
+          <a:gradFill flip="none" rotWithShape="1">
+            <a:gsLst>
+              <a:gs pos="0">
+                <a:srgbClr val="00B0F0">
+                  <a:shade val="30000"/>
+                  <a:satMod val="115000"/>
+                </a:srgbClr>
+              </a:gs>
+              <a:gs pos="50000">
+                <a:srgbClr val="00B0F0">
+                  <a:shade val="67500"/>
+                  <a:satMod val="115000"/>
+                </a:srgbClr>
+              </a:gs>
+              <a:gs pos="100000">
+                <a:srgbClr val="00B0F0">
+                  <a:shade val="100000"/>
+                  <a:satMod val="115000"/>
+                </a:srgbClr>
+              </a:gs>
+            </a:gsLst>
+            <a:path path="circle">
+              <a:fillToRect t="100000" r="100000"/>
+            </a:path>
+            <a:tileRect l="-100000" b="-100000"/>
+          </a:gradFill>
+        </p:spPr>
+        <p:txBody>
+          <a:bodyPr vert="horz" lIns="91440" tIns="45720" rIns="91440" bIns="45720" rtlCol="0" anchor="ctr">
+            <a:normAutofit/>
+          </a:bodyPr>
+          <a:lstStyle/>
+          <a:p>
+            <a:pPr lvl="0">
+              <a:spcBef>
+                <a:spcPct val="0"/>
+              </a:spcBef>
+            </a:pPr>
+            <a:r>
+              <a:rPr lang="en-US" sz="1600" dirty="0">
+                <a:hlinkClick r:id="rId3"/>
+              </a:rPr>
+              <a:t>https://kubernetes.io/docs/tasks/tools/install-minikube/</a:t>
+            </a:r>
+            <a:endParaRPr kumimoji="0" lang="zh-TW" altLang="en-US" sz="1600" b="0" i="0" u="none" strike="noStrike" kern="1200" cap="none" spc="0" normalizeH="0" baseline="0" noProof="0" dirty="0">
+              <a:ln>
+                <a:noFill/>
+              </a:ln>
+              <a:solidFill>
+                <a:schemeClr val="tx1"/>
+              </a:solidFill>
+              <a:effectLst/>
+              <a:uLnTx/>
+              <a:uFillTx/>
+              <a:latin typeface="+mj-lt"/>
+              <a:ea typeface="+mj-ea"/>
+              <a:cs typeface="+mj-cs"/>
+            </a:endParaRPr>
+          </a:p>
+        </p:txBody>
+      </p:sp>
+      <p:sp>
+        <p:nvSpPr>
           <p:cNvPr id="5" name="日期版面配置區 4"/>
           <p:cNvSpPr>
             <a:spLocks noGrp="1"/>
@@ -5398,10 +7824,10 @@
           <a:bodyPr/>
           <a:lstStyle/>
           <a:p>
-            <a:fld id="{4E46BE27-E923-4EC2-B046-3272AE2A3E5C}" type="datetime1">
+            <a:fld id="{A4F910E6-8D00-4BAF-8C48-9688E0B449D3}" type="datetime1">
               <a:rPr lang="zh-TW" altLang="en-US" smtClean="0"/>
               <a:pPr/>
-              <a:t>2020/4/24</a:t>
+              <a:t>2020/4/25</a:t>
             </a:fld>
             <a:endParaRPr lang="zh-TW" altLang="en-US"/>
           </a:p>
@@ -5425,13 +7851,159 @@
             <a:fld id="{E4D7E63D-91F2-4366-A2C4-1B00C9E2590E}" type="slidenum">
               <a:rPr lang="zh-TW" altLang="en-US" smtClean="0"/>
               <a:pPr/>
-              <a:t>6</a:t>
+              <a:t>9</a:t>
             </a:fld>
             <a:endParaRPr lang="zh-TW" altLang="en-US"/>
           </a:p>
         </p:txBody>
       </p:sp>
+      <p:sp>
+        <p:nvSpPr>
+          <p:cNvPr id="8" name="Rectangle 2">
+            <a:extLst>
+              <a:ext uri="{FF2B5EF4-FFF2-40B4-BE49-F238E27FC236}">
+                <a16:creationId xmlns:a16="http://schemas.microsoft.com/office/drawing/2014/main" id="{CE04BFC2-17A5-4D88-AB75-09117EFFD5AB}"/>
+              </a:ext>
+            </a:extLst>
+          </p:cNvPr>
+          <p:cNvSpPr>
+            <a:spLocks noChangeArrowheads="1"/>
+          </p:cNvSpPr>
+          <p:nvPr/>
+        </p:nvSpPr>
+        <p:spPr bwMode="auto">
+          <a:xfrm>
+            <a:off x="0" y="-46166"/>
+            <a:ext cx="9144000" cy="92333"/>
+          </a:xfrm>
+          <a:prstGeom prst="rect">
+            <a:avLst/>
+          </a:prstGeom>
+          <a:noFill/>
+          <a:ln>
+            <a:noFill/>
+          </a:ln>
+          <a:effectLst/>
+          <a:extLst>
+            <a:ext uri="{909E8E84-426E-40DD-AFC4-6F175D3DCCD1}">
+              <a14:hiddenFill xmlns:a14="http://schemas.microsoft.com/office/drawing/2010/main">
+                <a:solidFill>
+                  <a:schemeClr val="accent1"/>
+                </a:solidFill>
+              </a14:hiddenFill>
+            </a:ext>
+            <a:ext uri="{91240B29-F687-4F45-9708-019B960494DF}">
+              <a14:hiddenLine xmlns:a14="http://schemas.microsoft.com/office/drawing/2010/main" w="9525">
+                <a:solidFill>
+                  <a:schemeClr val="tx1"/>
+                </a:solidFill>
+                <a:miter lim="800000"/>
+                <a:headEnd/>
+                <a:tailEnd/>
+              </a14:hiddenLine>
+            </a:ext>
+            <a:ext uri="{AF507438-7753-43E0-B8FC-AC1667EBCBE1}">
+              <a14:hiddenEffects xmlns:a14="http://schemas.microsoft.com/office/drawing/2010/main">
+                <a:effectLst>
+                  <a:outerShdw dist="35921" dir="2700000" algn="ctr" rotWithShape="0">
+                    <a:schemeClr val="bg2"/>
+                  </a:outerShdw>
+                </a:effectLst>
+              </a14:hiddenEffects>
+            </a:ext>
+          </a:extLst>
+        </p:spPr>
+        <p:txBody>
+          <a:bodyPr vert="horz" wrap="square" lIns="0" tIns="0" rIns="0" bIns="0" numCol="1" anchor="ctr" anchorCtr="0" compatLnSpc="1">
+            <a:prstTxWarp prst="textNoShape">
+              <a:avLst/>
+            </a:prstTxWarp>
+            <a:spAutoFit/>
+          </a:bodyPr>
+          <a:lstStyle/>
+          <a:p>
+            <a:pPr marL="0" marR="0" lvl="0" indent="0" algn="l" defTabSz="914400" rtl="0" eaLnBrk="0" fontAlgn="base" latinLnBrk="0" hangingPunct="0">
+              <a:lnSpc>
+                <a:spcPct val="100000"/>
+              </a:lnSpc>
+              <a:spcBef>
+                <a:spcPct val="0"/>
+              </a:spcBef>
+              <a:spcAft>
+                <a:spcPct val="0"/>
+              </a:spcAft>
+              <a:buClrTx/>
+              <a:buSzTx/>
+              <a:buFontTx/>
+              <a:buNone/>
+              <a:tabLst/>
+            </a:pPr>
+            <a:r>
+              <a:rPr kumimoji="0" lang="en-US" altLang="en-US" sz="600" b="0" i="0" u="none" strike="noStrike" cap="none" normalizeH="0" baseline="0" dirty="0">
+                <a:ln>
+                  <a:noFill/>
+                </a:ln>
+                <a:solidFill>
+                  <a:schemeClr val="tx1"/>
+                </a:solidFill>
+                <a:effectLst/>
+              </a:rPr>
+              <a:t> </a:t>
+            </a:r>
+            <a:endParaRPr kumimoji="0" lang="en-US" altLang="en-US" sz="1800" b="0" i="0" u="none" strike="noStrike" cap="none" normalizeH="0" baseline="0" dirty="0">
+              <a:ln>
+                <a:noFill/>
+              </a:ln>
+              <a:solidFill>
+                <a:schemeClr val="tx1"/>
+              </a:solidFill>
+              <a:effectLst/>
+              <a:latin typeface="Arial" panose="020B0604020202020204" pitchFamily="34" charset="0"/>
+            </a:endParaRPr>
+          </a:p>
+        </p:txBody>
+      </p:sp>
+      <p:pic>
+        <p:nvPicPr>
+          <p:cNvPr id="10" name="Picture 9">
+            <a:extLst>
+              <a:ext uri="{FF2B5EF4-FFF2-40B4-BE49-F238E27FC236}">
+                <a16:creationId xmlns:a16="http://schemas.microsoft.com/office/drawing/2014/main" id="{9DCA3BA6-3213-4D81-94B4-7C806869817A}"/>
+              </a:ext>
+            </a:extLst>
+          </p:cNvPr>
+          <p:cNvPicPr>
+            <a:picLocks noChangeAspect="1"/>
+          </p:cNvPicPr>
+          <p:nvPr/>
+        </p:nvPicPr>
+        <p:blipFill>
+          <a:blip r:embed="rId4"/>
+          <a:stretch>
+            <a:fillRect/>
+          </a:stretch>
+        </p:blipFill>
+        <p:spPr>
+          <a:xfrm>
+            <a:off x="1637928" y="2132856"/>
+            <a:ext cx="5868144" cy="4273988"/>
+          </a:xfrm>
+          <a:prstGeom prst="rect">
+            <a:avLst/>
+          </a:prstGeom>
+          <a:ln>
+            <a:solidFill>
+              <a:srgbClr val="C00000"/>
+            </a:solidFill>
+          </a:ln>
+        </p:spPr>
+      </p:pic>
     </p:spTree>
+    <p:extLst>
+      <p:ext uri="{BB962C8B-B14F-4D97-AF65-F5344CB8AC3E}">
+        <p14:creationId xmlns:p14="http://schemas.microsoft.com/office/powerpoint/2010/main" val="2445835547"/>
+      </p:ext>
+    </p:extLst>
   </p:cSld>
   <p:clrMapOvr>
     <a:masterClrMapping/>
